--- a/powerpoint/Auburn Presentation.pptx
+++ b/powerpoint/Auburn Presentation.pptx
@@ -47,25 +47,26 @@
     <p:sldId id="292" r:id="rId42"/>
     <p:sldId id="293" r:id="rId43"/>
     <p:sldId id="294" r:id="rId44"/>
+    <p:sldId id="295" r:id="rId45"/>
   </p:sldIdLst>
   <p:sldSz cy="5143500" cx="9144000"/>
   <p:notesSz cx="6858000" cy="9144000"/>
   <p:embeddedFontLst>
     <p:embeddedFont>
       <p:font typeface="Source Code Pro"/>
-      <p:regular r:id="rId45"/>
-      <p:bold r:id="rId46"/>
-      <p:italic r:id="rId47"/>
-      <p:boldItalic r:id="rId48"/>
+      <p:regular r:id="rId46"/>
+      <p:bold r:id="rId47"/>
+      <p:italic r:id="rId48"/>
+      <p:boldItalic r:id="rId49"/>
     </p:embeddedFont>
     <p:embeddedFont>
       <p:font typeface="Average"/>
-      <p:regular r:id="rId49"/>
+      <p:regular r:id="rId50"/>
     </p:embeddedFont>
     <p:embeddedFont>
       <p:font typeface="Oswald"/>
-      <p:regular r:id="rId50"/>
-      <p:bold r:id="rId51"/>
+      <p:regular r:id="rId51"/>
+      <p:bold r:id="rId52"/>
     </p:embeddedFont>
   </p:embeddedFontLst>
   <p:defaultTextStyle>
@@ -1044,7 +1045,7 @@
   <p:cSld>
     <p:spTree>
       <p:nvGrpSpPr>
-        <p:cNvPr id="128" name="Shape 128"/>
+        <p:cNvPr id="127" name="Shape 127"/>
         <p:cNvGrpSpPr/>
         <p:nvPr/>
       </p:nvGrpSpPr>
@@ -1058,7 +1059,7 @@
       </p:grpSpPr>
       <p:sp>
         <p:nvSpPr>
-          <p:cNvPr id="129" name="Google Shape;129;gd1c4c6217c_0_151:notes"/>
+          <p:cNvPr id="128" name="Google Shape;128;gd1c4c6217c_0_151:notes"/>
           <p:cNvSpPr/>
           <p:nvPr>
             <p:ph idx="2" type="sldImg"/>
@@ -1093,7 +1094,7 @@
       </p:sp>
       <p:sp>
         <p:nvSpPr>
-          <p:cNvPr id="130" name="Google Shape;130;gd1c4c6217c_0_151:notes"/>
+          <p:cNvPr id="129" name="Google Shape;129;gd1c4c6217c_0_151:notes"/>
           <p:cNvSpPr txBox="1"/>
           <p:nvPr>
             <p:ph idx="1" type="body"/>
@@ -1143,7 +1144,7 @@
   <p:cSld>
     <p:spTree>
       <p:nvGrpSpPr>
-        <p:cNvPr id="137" name="Shape 137"/>
+        <p:cNvPr id="136" name="Shape 136"/>
         <p:cNvGrpSpPr/>
         <p:nvPr/>
       </p:nvGrpSpPr>
@@ -1157,7 +1158,7 @@
       </p:grpSpPr>
       <p:sp>
         <p:nvSpPr>
-          <p:cNvPr id="138" name="Google Shape;138;gd1c4c6217c_0_102:notes"/>
+          <p:cNvPr id="137" name="Google Shape;137;gd1c4c6217c_0_102:notes"/>
           <p:cNvSpPr/>
           <p:nvPr>
             <p:ph idx="2" type="sldImg"/>
@@ -1192,7 +1193,7 @@
       </p:sp>
       <p:sp>
         <p:nvSpPr>
-          <p:cNvPr id="139" name="Google Shape;139;gd1c4c6217c_0_102:notes"/>
+          <p:cNvPr id="138" name="Google Shape;138;gd1c4c6217c_0_102:notes"/>
           <p:cNvSpPr txBox="1"/>
           <p:nvPr>
             <p:ph idx="1" type="body"/>
@@ -1242,7 +1243,7 @@
   <p:cSld>
     <p:spTree>
       <p:nvGrpSpPr>
-        <p:cNvPr id="144" name="Shape 144"/>
+        <p:cNvPr id="143" name="Shape 143"/>
         <p:cNvGrpSpPr/>
         <p:nvPr/>
       </p:nvGrpSpPr>
@@ -1256,7 +1257,7 @@
       </p:grpSpPr>
       <p:sp>
         <p:nvSpPr>
-          <p:cNvPr id="145" name="Google Shape;145;gd1c4c6217c_0_108:notes"/>
+          <p:cNvPr id="144" name="Google Shape;144;gd1c4c6217c_0_108:notes"/>
           <p:cNvSpPr/>
           <p:nvPr>
             <p:ph idx="2" type="sldImg"/>
@@ -1291,7 +1292,7 @@
       </p:sp>
       <p:sp>
         <p:nvSpPr>
-          <p:cNvPr id="146" name="Google Shape;146;gd1c4c6217c_0_108:notes"/>
+          <p:cNvPr id="145" name="Google Shape;145;gd1c4c6217c_0_108:notes"/>
           <p:cNvSpPr txBox="1"/>
           <p:nvPr>
             <p:ph idx="1" type="body"/>
@@ -1341,7 +1342,7 @@
   <p:cSld>
     <p:spTree>
       <p:nvGrpSpPr>
-        <p:cNvPr id="154" name="Shape 154"/>
+        <p:cNvPr id="153" name="Shape 153"/>
         <p:cNvGrpSpPr/>
         <p:nvPr/>
       </p:nvGrpSpPr>
@@ -1355,7 +1356,7 @@
       </p:grpSpPr>
       <p:sp>
         <p:nvSpPr>
-          <p:cNvPr id="155" name="Google Shape;155;gd1c4c6217c_0_137:notes"/>
+          <p:cNvPr id="154" name="Google Shape;154;gd1c4c6217c_0_137:notes"/>
           <p:cNvSpPr/>
           <p:nvPr>
             <p:ph idx="2" type="sldImg"/>
@@ -1390,7 +1391,7 @@
       </p:sp>
       <p:sp>
         <p:nvSpPr>
-          <p:cNvPr id="156" name="Google Shape;156;gd1c4c6217c_0_137:notes"/>
+          <p:cNvPr id="155" name="Google Shape;155;gd1c4c6217c_0_137:notes"/>
           <p:cNvSpPr txBox="1"/>
           <p:nvPr>
             <p:ph idx="1" type="body"/>
@@ -1440,7 +1441,7 @@
   <p:cSld>
     <p:spTree>
       <p:nvGrpSpPr>
-        <p:cNvPr id="164" name="Shape 164"/>
+        <p:cNvPr id="163" name="Shape 163"/>
         <p:cNvGrpSpPr/>
         <p:nvPr/>
       </p:nvGrpSpPr>
@@ -1454,7 +1455,7 @@
       </p:grpSpPr>
       <p:sp>
         <p:nvSpPr>
-          <p:cNvPr id="165" name="Google Shape;165;gd1c4c6217c_0_172:notes"/>
+          <p:cNvPr id="164" name="Google Shape;164;gd1c4c6217c_0_172:notes"/>
           <p:cNvSpPr/>
           <p:nvPr>
             <p:ph idx="2" type="sldImg"/>
@@ -1489,7 +1490,7 @@
       </p:sp>
       <p:sp>
         <p:nvSpPr>
-          <p:cNvPr id="166" name="Google Shape;166;gd1c4c6217c_0_172:notes"/>
+          <p:cNvPr id="165" name="Google Shape;165;gd1c4c6217c_0_172:notes"/>
           <p:cNvSpPr txBox="1"/>
           <p:nvPr>
             <p:ph idx="1" type="body"/>
@@ -1539,7 +1540,7 @@
   <p:cSld>
     <p:spTree>
       <p:nvGrpSpPr>
-        <p:cNvPr id="171" name="Shape 171"/>
+        <p:cNvPr id="170" name="Shape 170"/>
         <p:cNvGrpSpPr/>
         <p:nvPr/>
       </p:nvGrpSpPr>
@@ -1553,7 +1554,7 @@
       </p:grpSpPr>
       <p:sp>
         <p:nvSpPr>
-          <p:cNvPr id="172" name="Google Shape;172;gd1c4c6217c_0_183:notes"/>
+          <p:cNvPr id="171" name="Google Shape;171;gd1c4c6217c_0_183:notes"/>
           <p:cNvSpPr/>
           <p:nvPr>
             <p:ph idx="2" type="sldImg"/>
@@ -1588,7 +1589,7 @@
       </p:sp>
       <p:sp>
         <p:nvSpPr>
-          <p:cNvPr id="173" name="Google Shape;173;gd1c4c6217c_0_183:notes"/>
+          <p:cNvPr id="172" name="Google Shape;172;gd1c4c6217c_0_183:notes"/>
           <p:cNvSpPr txBox="1"/>
           <p:nvPr>
             <p:ph idx="1" type="body"/>
@@ -1638,7 +1639,7 @@
   <p:cSld>
     <p:spTree>
       <p:nvGrpSpPr>
-        <p:cNvPr id="176" name="Shape 176"/>
+        <p:cNvPr id="175" name="Shape 175"/>
         <p:cNvGrpSpPr/>
         <p:nvPr/>
       </p:nvGrpSpPr>
@@ -1652,7 +1653,7 @@
       </p:grpSpPr>
       <p:sp>
         <p:nvSpPr>
-          <p:cNvPr id="177" name="Google Shape;177;gd1c4c6217c_0_66:notes"/>
+          <p:cNvPr id="176" name="Google Shape;176;gd1c4c6217c_0_66:notes"/>
           <p:cNvSpPr/>
           <p:nvPr>
             <p:ph idx="2" type="sldImg"/>
@@ -1687,7 +1688,7 @@
       </p:sp>
       <p:sp>
         <p:nvSpPr>
-          <p:cNvPr id="178" name="Google Shape;178;gd1c4c6217c_0_66:notes"/>
+          <p:cNvPr id="177" name="Google Shape;177;gd1c4c6217c_0_66:notes"/>
           <p:cNvSpPr txBox="1"/>
           <p:nvPr>
             <p:ph idx="1" type="body"/>
@@ -1737,7 +1738,7 @@
   <p:cSld>
     <p:spTree>
       <p:nvGrpSpPr>
-        <p:cNvPr id="182" name="Shape 182"/>
+        <p:cNvPr id="181" name="Shape 181"/>
         <p:cNvGrpSpPr/>
         <p:nvPr/>
       </p:nvGrpSpPr>
@@ -1751,7 +1752,7 @@
       </p:grpSpPr>
       <p:sp>
         <p:nvSpPr>
-          <p:cNvPr id="183" name="Google Shape;183;gd1c4c6217c_0_189:notes"/>
+          <p:cNvPr id="182" name="Google Shape;182;gd1c4c6217c_0_189:notes"/>
           <p:cNvSpPr/>
           <p:nvPr>
             <p:ph idx="2" type="sldImg"/>
@@ -1786,7 +1787,7 @@
       </p:sp>
       <p:sp>
         <p:nvSpPr>
-          <p:cNvPr id="184" name="Google Shape;184;gd1c4c6217c_0_189:notes"/>
+          <p:cNvPr id="183" name="Google Shape;183;gd1c4c6217c_0_189:notes"/>
           <p:cNvSpPr txBox="1"/>
           <p:nvPr>
             <p:ph idx="1" type="body"/>
@@ -1935,7 +1936,7 @@
   <p:cSld>
     <p:spTree>
       <p:nvGrpSpPr>
-        <p:cNvPr id="189" name="Shape 189"/>
+        <p:cNvPr id="188" name="Shape 188"/>
         <p:cNvGrpSpPr/>
         <p:nvPr/>
       </p:nvGrpSpPr>
@@ -1949,7 +1950,7 @@
       </p:grpSpPr>
       <p:sp>
         <p:nvSpPr>
-          <p:cNvPr id="190" name="Google Shape;190;gd1c4c6217c_0_196:notes"/>
+          <p:cNvPr id="189" name="Google Shape;189;gd1c4c6217c_0_196:notes"/>
           <p:cNvSpPr/>
           <p:nvPr>
             <p:ph idx="2" type="sldImg"/>
@@ -1984,7 +1985,7 @@
       </p:sp>
       <p:sp>
         <p:nvSpPr>
-          <p:cNvPr id="191" name="Google Shape;191;gd1c4c6217c_0_196:notes"/>
+          <p:cNvPr id="190" name="Google Shape;190;gd1c4c6217c_0_196:notes"/>
           <p:cNvSpPr txBox="1"/>
           <p:nvPr>
             <p:ph idx="1" type="body"/>
@@ -2034,7 +2035,7 @@
   <p:cSld>
     <p:spTree>
       <p:nvGrpSpPr>
-        <p:cNvPr id="196" name="Shape 196"/>
+        <p:cNvPr id="195" name="Shape 195"/>
         <p:cNvGrpSpPr/>
         <p:nvPr/>
       </p:nvGrpSpPr>
@@ -2048,7 +2049,7 @@
       </p:grpSpPr>
       <p:sp>
         <p:nvSpPr>
-          <p:cNvPr id="197" name="Google Shape;197;gd1c4c6217c_0_203:notes"/>
+          <p:cNvPr id="196" name="Google Shape;196;gd1c4c6217c_0_203:notes"/>
           <p:cNvSpPr/>
           <p:nvPr>
             <p:ph idx="2" type="sldImg"/>
@@ -2083,7 +2084,7 @@
       </p:sp>
       <p:sp>
         <p:nvSpPr>
-          <p:cNvPr id="198" name="Google Shape;198;gd1c4c6217c_0_203:notes"/>
+          <p:cNvPr id="197" name="Google Shape;197;gd1c4c6217c_0_203:notes"/>
           <p:cNvSpPr txBox="1"/>
           <p:nvPr>
             <p:ph idx="1" type="body"/>
@@ -2133,7 +2134,7 @@
   <p:cSld>
     <p:spTree>
       <p:nvGrpSpPr>
-        <p:cNvPr id="202" name="Shape 202"/>
+        <p:cNvPr id="200" name="Shape 200"/>
         <p:cNvGrpSpPr/>
         <p:nvPr/>
       </p:nvGrpSpPr>
@@ -2147,7 +2148,7 @@
       </p:grpSpPr>
       <p:sp>
         <p:nvSpPr>
-          <p:cNvPr id="203" name="Google Shape;203;gd1c4c6217c_0_207:notes"/>
+          <p:cNvPr id="201" name="Google Shape;201;gd1c4c6217c_0_207:notes"/>
           <p:cNvSpPr/>
           <p:nvPr>
             <p:ph idx="2" type="sldImg"/>
@@ -2182,7 +2183,7 @@
       </p:sp>
       <p:sp>
         <p:nvSpPr>
-          <p:cNvPr id="204" name="Google Shape;204;gd1c4c6217c_0_207:notes"/>
+          <p:cNvPr id="202" name="Google Shape;202;gd1c4c6217c_0_207:notes"/>
           <p:cNvSpPr txBox="1"/>
           <p:nvPr>
             <p:ph idx="1" type="body"/>
@@ -2232,7 +2233,7 @@
   <p:cSld>
     <p:spTree>
       <p:nvGrpSpPr>
-        <p:cNvPr id="210" name="Shape 210"/>
+        <p:cNvPr id="208" name="Shape 208"/>
         <p:cNvGrpSpPr/>
         <p:nvPr/>
       </p:nvGrpSpPr>
@@ -2246,7 +2247,7 @@
       </p:grpSpPr>
       <p:sp>
         <p:nvSpPr>
-          <p:cNvPr id="211" name="Google Shape;211;gd1c4c6217c_0_221:notes"/>
+          <p:cNvPr id="209" name="Google Shape;209;gd1c4c6217c_0_221:notes"/>
           <p:cNvSpPr/>
           <p:nvPr>
             <p:ph idx="2" type="sldImg"/>
@@ -2281,7 +2282,7 @@
       </p:sp>
       <p:sp>
         <p:nvSpPr>
-          <p:cNvPr id="212" name="Google Shape;212;gd1c4c6217c_0_221:notes"/>
+          <p:cNvPr id="210" name="Google Shape;210;gd1c4c6217c_0_221:notes"/>
           <p:cNvSpPr txBox="1"/>
           <p:nvPr>
             <p:ph idx="1" type="body"/>
@@ -2331,7 +2332,7 @@
   <p:cSld>
     <p:spTree>
       <p:nvGrpSpPr>
-        <p:cNvPr id="215" name="Shape 215"/>
+        <p:cNvPr id="213" name="Shape 213"/>
         <p:cNvGrpSpPr/>
         <p:nvPr/>
       </p:nvGrpSpPr>
@@ -2345,7 +2346,7 @@
       </p:grpSpPr>
       <p:sp>
         <p:nvSpPr>
-          <p:cNvPr id="216" name="Google Shape;216;gd1c4c6217c_0_213:notes"/>
+          <p:cNvPr id="214" name="Google Shape;214;gd1c4c6217c_0_213:notes"/>
           <p:cNvSpPr/>
           <p:nvPr>
             <p:ph idx="2" type="sldImg"/>
@@ -2380,7 +2381,7 @@
       </p:sp>
       <p:sp>
         <p:nvSpPr>
-          <p:cNvPr id="217" name="Google Shape;217;gd1c4c6217c_0_213:notes"/>
+          <p:cNvPr id="215" name="Google Shape;215;gd1c4c6217c_0_213:notes"/>
           <p:cNvSpPr txBox="1"/>
           <p:nvPr>
             <p:ph idx="1" type="body"/>
@@ -2430,7 +2431,7 @@
   <p:cSld>
     <p:spTree>
       <p:nvGrpSpPr>
-        <p:cNvPr id="223" name="Shape 223"/>
+        <p:cNvPr id="221" name="Shape 221"/>
         <p:cNvGrpSpPr/>
         <p:nvPr/>
       </p:nvGrpSpPr>
@@ -2444,7 +2445,7 @@
       </p:grpSpPr>
       <p:sp>
         <p:nvSpPr>
-          <p:cNvPr id="224" name="Google Shape;224;gd1c4c6217c_0_228:notes"/>
+          <p:cNvPr id="222" name="Google Shape;222;gd1c4c6217c_0_228:notes"/>
           <p:cNvSpPr/>
           <p:nvPr>
             <p:ph idx="2" type="sldImg"/>
@@ -2479,7 +2480,7 @@
       </p:sp>
       <p:sp>
         <p:nvSpPr>
-          <p:cNvPr id="225" name="Google Shape;225;gd1c4c6217c_0_228:notes"/>
+          <p:cNvPr id="223" name="Google Shape;223;gd1c4c6217c_0_228:notes"/>
           <p:cNvSpPr txBox="1"/>
           <p:nvPr>
             <p:ph idx="1" type="body"/>
@@ -2529,7 +2530,7 @@
   <p:cSld>
     <p:spTree>
       <p:nvGrpSpPr>
-        <p:cNvPr id="229" name="Shape 229"/>
+        <p:cNvPr id="226" name="Shape 226"/>
         <p:cNvGrpSpPr/>
         <p:nvPr/>
       </p:nvGrpSpPr>
@@ -2543,7 +2544,7 @@
       </p:grpSpPr>
       <p:sp>
         <p:nvSpPr>
-          <p:cNvPr id="230" name="Google Shape;230;gd1c4c6217c_0_232:notes"/>
+          <p:cNvPr id="227" name="Google Shape;227;gd1c4c6217c_0_232:notes"/>
           <p:cNvSpPr/>
           <p:nvPr>
             <p:ph idx="2" type="sldImg"/>
@@ -2578,7 +2579,7 @@
       </p:sp>
       <p:sp>
         <p:nvSpPr>
-          <p:cNvPr id="231" name="Google Shape;231;gd1c4c6217c_0_232:notes"/>
+          <p:cNvPr id="228" name="Google Shape;228;gd1c4c6217c_0_232:notes"/>
           <p:cNvSpPr txBox="1"/>
           <p:nvPr>
             <p:ph idx="1" type="body"/>
@@ -2628,7 +2629,7 @@
   <p:cSld>
     <p:spTree>
       <p:nvGrpSpPr>
-        <p:cNvPr id="236" name="Shape 236"/>
+        <p:cNvPr id="233" name="Shape 233"/>
         <p:cNvGrpSpPr/>
         <p:nvPr/>
       </p:nvGrpSpPr>
@@ -2642,7 +2643,7 @@
       </p:grpSpPr>
       <p:sp>
         <p:nvSpPr>
-          <p:cNvPr id="237" name="Google Shape;237;g10f77a2d6de_1_110:notes"/>
+          <p:cNvPr id="234" name="Google Shape;234;g10f77a2d6de_1_110:notes"/>
           <p:cNvSpPr/>
           <p:nvPr>
             <p:ph idx="2" type="sldImg"/>
@@ -2677,7 +2678,7 @@
       </p:sp>
       <p:sp>
         <p:nvSpPr>
-          <p:cNvPr id="238" name="Google Shape;238;g10f77a2d6de_1_110:notes"/>
+          <p:cNvPr id="235" name="Google Shape;235;g10f77a2d6de_1_110:notes"/>
           <p:cNvSpPr txBox="1"/>
           <p:nvPr>
             <p:ph idx="1" type="body"/>
@@ -2727,7 +2728,7 @@
   <p:cSld>
     <p:spTree>
       <p:nvGrpSpPr>
-        <p:cNvPr id="243" name="Shape 243"/>
+        <p:cNvPr id="240" name="Shape 240"/>
         <p:cNvGrpSpPr/>
         <p:nvPr/>
       </p:nvGrpSpPr>
@@ -2741,7 +2742,7 @@
       </p:grpSpPr>
       <p:sp>
         <p:nvSpPr>
-          <p:cNvPr id="244" name="Google Shape;244;g10f77a2d6de_1_117:notes"/>
+          <p:cNvPr id="241" name="Google Shape;241;g10f77a2d6de_1_117:notes"/>
           <p:cNvSpPr/>
           <p:nvPr>
             <p:ph idx="2" type="sldImg"/>
@@ -2776,7 +2777,7 @@
       </p:sp>
       <p:sp>
         <p:nvSpPr>
-          <p:cNvPr id="245" name="Google Shape;245;g10f77a2d6de_1_117:notes"/>
+          <p:cNvPr id="242" name="Google Shape;242;g10f77a2d6de_1_117:notes"/>
           <p:cNvSpPr txBox="1"/>
           <p:nvPr>
             <p:ph idx="1" type="body"/>
@@ -2826,7 +2827,7 @@
   <p:cSld>
     <p:spTree>
       <p:nvGrpSpPr>
-        <p:cNvPr id="250" name="Shape 250"/>
+        <p:cNvPr id="247" name="Shape 247"/>
         <p:cNvGrpSpPr/>
         <p:nvPr/>
       </p:nvGrpSpPr>
@@ -2840,7 +2841,7 @@
       </p:grpSpPr>
       <p:sp>
         <p:nvSpPr>
-          <p:cNvPr id="251" name="Google Shape;251;g10f77a2d6de_1_144:notes"/>
+          <p:cNvPr id="248" name="Google Shape;248;g10f77a2d6de_1_144:notes"/>
           <p:cNvSpPr/>
           <p:nvPr>
             <p:ph idx="2" type="sldImg"/>
@@ -2875,7 +2876,7 @@
       </p:sp>
       <p:sp>
         <p:nvSpPr>
-          <p:cNvPr id="252" name="Google Shape;252;g10f77a2d6de_1_144:notes"/>
+          <p:cNvPr id="249" name="Google Shape;249;g10f77a2d6de_1_144:notes"/>
           <p:cNvSpPr txBox="1"/>
           <p:nvPr>
             <p:ph idx="1" type="body"/>
@@ -3024,7 +3025,7 @@
   <p:cSld>
     <p:spTree>
       <p:nvGrpSpPr>
-        <p:cNvPr id="257" name="Shape 257"/>
+        <p:cNvPr id="254" name="Shape 254"/>
         <p:cNvGrpSpPr/>
         <p:nvPr/>
       </p:nvGrpSpPr>
@@ -3038,7 +3039,7 @@
       </p:grpSpPr>
       <p:sp>
         <p:nvSpPr>
-          <p:cNvPr id="258" name="Google Shape;258;g1131adfc4fe_0_179:notes"/>
+          <p:cNvPr id="255" name="Google Shape;255;g1131adfc4fe_0_179:notes"/>
           <p:cNvSpPr/>
           <p:nvPr>
             <p:ph idx="2" type="sldImg"/>
@@ -3073,7 +3074,7 @@
       </p:sp>
       <p:sp>
         <p:nvSpPr>
-          <p:cNvPr id="259" name="Google Shape;259;g1131adfc4fe_0_179:notes"/>
+          <p:cNvPr id="256" name="Google Shape;256;g1131adfc4fe_0_179:notes"/>
           <p:cNvSpPr txBox="1"/>
           <p:nvPr>
             <p:ph idx="1" type="body"/>
@@ -3123,7 +3124,7 @@
   <p:cSld>
     <p:spTree>
       <p:nvGrpSpPr>
-        <p:cNvPr id="263" name="Shape 263"/>
+        <p:cNvPr id="260" name="Shape 260"/>
         <p:cNvGrpSpPr/>
         <p:nvPr/>
       </p:nvGrpSpPr>
@@ -3137,7 +3138,7 @@
       </p:grpSpPr>
       <p:sp>
         <p:nvSpPr>
-          <p:cNvPr id="264" name="Google Shape;264;g1131adfc4fe_0_6:notes"/>
+          <p:cNvPr id="261" name="Google Shape;261;g113363b572e_0_0:notes"/>
           <p:cNvSpPr/>
           <p:nvPr>
             <p:ph idx="2" type="sldImg"/>
@@ -3172,7 +3173,7 @@
       </p:sp>
       <p:sp>
         <p:nvSpPr>
-          <p:cNvPr id="265" name="Google Shape;265;g1131adfc4fe_0_6:notes"/>
+          <p:cNvPr id="262" name="Google Shape;262;g113363b572e_0_0:notes"/>
           <p:cNvSpPr txBox="1"/>
           <p:nvPr>
             <p:ph idx="1" type="body"/>
@@ -3222,7 +3223,7 @@
   <p:cSld>
     <p:spTree>
       <p:nvGrpSpPr>
-        <p:cNvPr id="269" name="Shape 269"/>
+        <p:cNvPr id="266" name="Shape 266"/>
         <p:cNvGrpSpPr/>
         <p:nvPr/>
       </p:nvGrpSpPr>
@@ -3236,7 +3237,7 @@
       </p:grpSpPr>
       <p:sp>
         <p:nvSpPr>
-          <p:cNvPr id="270" name="Google Shape;270;g1131adfc4fe_0_11:notes"/>
+          <p:cNvPr id="267" name="Google Shape;267;g1131adfc4fe_0_6:notes"/>
           <p:cNvSpPr/>
           <p:nvPr>
             <p:ph idx="2" type="sldImg"/>
@@ -3271,7 +3272,7 @@
       </p:sp>
       <p:sp>
         <p:nvSpPr>
-          <p:cNvPr id="271" name="Google Shape;271;g1131adfc4fe_0_11:notes"/>
+          <p:cNvPr id="268" name="Google Shape;268;g1131adfc4fe_0_6:notes"/>
           <p:cNvSpPr txBox="1"/>
           <p:nvPr>
             <p:ph idx="1" type="body"/>
@@ -3321,7 +3322,7 @@
   <p:cSld>
     <p:spTree>
       <p:nvGrpSpPr>
-        <p:cNvPr id="275" name="Shape 275"/>
+        <p:cNvPr id="272" name="Shape 272"/>
         <p:cNvGrpSpPr/>
         <p:nvPr/>
       </p:nvGrpSpPr>
@@ -3335,7 +3336,7 @@
       </p:grpSpPr>
       <p:sp>
         <p:nvSpPr>
-          <p:cNvPr id="276" name="Google Shape;276;g112c0ceec84_0_0:notes"/>
+          <p:cNvPr id="273" name="Google Shape;273;g1131adfc4fe_0_11:notes"/>
           <p:cNvSpPr/>
           <p:nvPr>
             <p:ph idx="2" type="sldImg"/>
@@ -3370,7 +3371,7 @@
       </p:sp>
       <p:sp>
         <p:nvSpPr>
-          <p:cNvPr id="277" name="Google Shape;277;g112c0ceec84_0_0:notes"/>
+          <p:cNvPr id="274" name="Google Shape;274;g1131adfc4fe_0_11:notes"/>
           <p:cNvSpPr txBox="1"/>
           <p:nvPr>
             <p:ph idx="1" type="body"/>
@@ -3420,7 +3421,7 @@
   <p:cSld>
     <p:spTree>
       <p:nvGrpSpPr>
-        <p:cNvPr id="280" name="Shape 280"/>
+        <p:cNvPr id="278" name="Shape 278"/>
         <p:cNvGrpSpPr/>
         <p:nvPr/>
       </p:nvGrpSpPr>
@@ -3434,7 +3435,7 @@
       </p:grpSpPr>
       <p:sp>
         <p:nvSpPr>
-          <p:cNvPr id="281" name="Google Shape;281;g1131adfc4fe_0_0:notes"/>
+          <p:cNvPr id="279" name="Google Shape;279;g112c0ceec84_0_0:notes"/>
           <p:cNvSpPr/>
           <p:nvPr>
             <p:ph idx="2" type="sldImg"/>
@@ -3469,7 +3470,7 @@
       </p:sp>
       <p:sp>
         <p:nvSpPr>
-          <p:cNvPr id="282" name="Google Shape;282;g1131adfc4fe_0_0:notes"/>
+          <p:cNvPr id="280" name="Google Shape;280;g112c0ceec84_0_0:notes"/>
           <p:cNvSpPr txBox="1"/>
           <p:nvPr>
             <p:ph idx="1" type="body"/>
@@ -3519,7 +3520,7 @@
   <p:cSld>
     <p:spTree>
       <p:nvGrpSpPr>
-        <p:cNvPr id="287" name="Shape 287"/>
+        <p:cNvPr id="283" name="Shape 283"/>
         <p:cNvGrpSpPr/>
         <p:nvPr/>
       </p:nvGrpSpPr>
@@ -3533,7 +3534,7 @@
       </p:grpSpPr>
       <p:sp>
         <p:nvSpPr>
-          <p:cNvPr id="288" name="Google Shape;288;g10f77a2d6de_1_167:notes"/>
+          <p:cNvPr id="284" name="Google Shape;284;g1131adfc4fe_0_0:notes"/>
           <p:cNvSpPr/>
           <p:nvPr>
             <p:ph idx="2" type="sldImg"/>
@@ -3568,7 +3569,7 @@
       </p:sp>
       <p:sp>
         <p:nvSpPr>
-          <p:cNvPr id="289" name="Google Shape;289;g10f77a2d6de_1_167:notes"/>
+          <p:cNvPr id="285" name="Google Shape;285;g1131adfc4fe_0_0:notes"/>
           <p:cNvSpPr txBox="1"/>
           <p:nvPr>
             <p:ph idx="1" type="body"/>
@@ -3618,7 +3619,7 @@
   <p:cSld>
     <p:spTree>
       <p:nvGrpSpPr>
-        <p:cNvPr id="293" name="Shape 293"/>
+        <p:cNvPr id="289" name="Shape 289"/>
         <p:cNvGrpSpPr/>
         <p:nvPr/>
       </p:nvGrpSpPr>
@@ -3632,7 +3633,7 @@
       </p:grpSpPr>
       <p:sp>
         <p:nvSpPr>
-          <p:cNvPr id="294" name="Google Shape;294;g10f77a2d6de_1_129:notes"/>
+          <p:cNvPr id="290" name="Google Shape;290;g10f77a2d6de_1_167:notes"/>
           <p:cNvSpPr/>
           <p:nvPr>
             <p:ph idx="2" type="sldImg"/>
@@ -3667,7 +3668,7 @@
       </p:sp>
       <p:sp>
         <p:nvSpPr>
-          <p:cNvPr id="295" name="Google Shape;295;g10f77a2d6de_1_129:notes"/>
+          <p:cNvPr id="291" name="Google Shape;291;g10f77a2d6de_1_167:notes"/>
           <p:cNvSpPr txBox="1"/>
           <p:nvPr>
             <p:ph idx="1" type="body"/>
@@ -3717,7 +3718,7 @@
   <p:cSld>
     <p:spTree>
       <p:nvGrpSpPr>
-        <p:cNvPr id="299" name="Shape 299"/>
+        <p:cNvPr id="295" name="Shape 295"/>
         <p:cNvGrpSpPr/>
         <p:nvPr/>
       </p:nvGrpSpPr>
@@ -3731,7 +3732,7 @@
       </p:grpSpPr>
       <p:sp>
         <p:nvSpPr>
-          <p:cNvPr id="300" name="Google Shape;300;g10f77a2d6de_1_148:notes"/>
+          <p:cNvPr id="296" name="Google Shape;296;g10f77a2d6de_1_129:notes"/>
           <p:cNvSpPr/>
           <p:nvPr>
             <p:ph idx="2" type="sldImg"/>
@@ -3766,7 +3767,7 @@
       </p:sp>
       <p:sp>
         <p:nvSpPr>
-          <p:cNvPr id="301" name="Google Shape;301;g10f77a2d6de_1_148:notes"/>
+          <p:cNvPr id="297" name="Google Shape;297;g10f77a2d6de_1_129:notes"/>
           <p:cNvSpPr txBox="1"/>
           <p:nvPr>
             <p:ph idx="1" type="body"/>
@@ -3816,7 +3817,7 @@
   <p:cSld>
     <p:spTree>
       <p:nvGrpSpPr>
-        <p:cNvPr id="306" name="Shape 306"/>
+        <p:cNvPr id="301" name="Shape 301"/>
         <p:cNvGrpSpPr/>
         <p:nvPr/>
       </p:nvGrpSpPr>
@@ -3830,7 +3831,7 @@
       </p:grpSpPr>
       <p:sp>
         <p:nvSpPr>
-          <p:cNvPr id="307" name="Google Shape;307;g112c0ceec84_0_11:notes"/>
+          <p:cNvPr id="302" name="Google Shape;302;g10f77a2d6de_1_148:notes"/>
           <p:cNvSpPr/>
           <p:nvPr>
             <p:ph idx="2" type="sldImg"/>
@@ -3865,7 +3866,7 @@
       </p:sp>
       <p:sp>
         <p:nvSpPr>
-          <p:cNvPr id="308" name="Google Shape;308;g112c0ceec84_0_11:notes"/>
+          <p:cNvPr id="303" name="Google Shape;303;g10f77a2d6de_1_148:notes"/>
           <p:cNvSpPr txBox="1"/>
           <p:nvPr>
             <p:ph idx="1" type="body"/>
@@ -3915,7 +3916,7 @@
   <p:cSld>
     <p:spTree>
       <p:nvGrpSpPr>
-        <p:cNvPr id="313" name="Shape 313"/>
+        <p:cNvPr id="308" name="Shape 308"/>
         <p:cNvGrpSpPr/>
         <p:nvPr/>
       </p:nvGrpSpPr>
@@ -3929,7 +3930,7 @@
       </p:grpSpPr>
       <p:sp>
         <p:nvSpPr>
-          <p:cNvPr id="314" name="Google Shape;314;g10f77a2d6de_1_172:notes"/>
+          <p:cNvPr id="309" name="Google Shape;309;g112c0ceec84_0_11:notes"/>
           <p:cNvSpPr/>
           <p:nvPr>
             <p:ph idx="2" type="sldImg"/>
@@ -3964,7 +3965,7 @@
       </p:sp>
       <p:sp>
         <p:nvSpPr>
-          <p:cNvPr id="315" name="Google Shape;315;g10f77a2d6de_1_172:notes"/>
+          <p:cNvPr id="310" name="Google Shape;310;g112c0ceec84_0_11:notes"/>
           <p:cNvSpPr txBox="1"/>
           <p:nvPr>
             <p:ph idx="1" type="body"/>
@@ -4064,6 +4065,105 @@
       <p:sp>
         <p:nvSpPr>
           <p:cNvPr id="80" name="Google Shape;80;g1092c409aac_0_55:notes"/>
+          <p:cNvSpPr txBox="1"/>
+          <p:nvPr>
+            <p:ph idx="1" type="body"/>
+          </p:nvPr>
+        </p:nvSpPr>
+        <p:spPr>
+          <a:xfrm>
+            <a:off x="685800" y="4343400"/>
+            <a:ext cx="5486400" cy="4114800"/>
+          </a:xfrm>
+          <a:prstGeom prst="rect">
+            <a:avLst/>
+          </a:prstGeom>
+        </p:spPr>
+        <p:txBody>
+          <a:bodyPr anchorCtr="0" anchor="t" bIns="91425" lIns="91425" spcFirstLastPara="1" rIns="91425" wrap="square" tIns="91425">
+            <a:noAutofit/>
+          </a:bodyPr>
+          <a:lstStyle/>
+          <a:p>
+            <a:pPr indent="0" lvl="0" marL="0" rtl="0" algn="l">
+              <a:spcBef>
+                <a:spcPts val="0"/>
+              </a:spcBef>
+              <a:spcAft>
+                <a:spcPts val="0"/>
+              </a:spcAft>
+              <a:buNone/>
+            </a:pPr>
+            <a:r>
+              <a:t/>
+            </a:r>
+            <a:endParaRPr/>
+          </a:p>
+        </p:txBody>
+      </p:sp>
+    </p:spTree>
+  </p:cSld>
+  <p:clrMapOvr>
+    <a:masterClrMapping/>
+  </p:clrMapOvr>
+</p:notes>
+</file>
+
+<file path=ppt/notesSlides/notesSlide40.xml><?xml version="1.0" encoding="utf-8"?>
+<p:notes xmlns:a="http://schemas.openxmlformats.org/drawingml/2006/main" xmlns:r="http://schemas.openxmlformats.org/officeDocument/2006/relationships" xmlns:mc="http://schemas.openxmlformats.org/markup-compatibility/2006" xmlns:mv="urn:schemas-microsoft-com:mac:vml" xmlns:p="http://schemas.openxmlformats.org/presentationml/2006/main" xmlns:c="http://schemas.openxmlformats.org/drawingml/2006/chart" xmlns:dgm="http://schemas.openxmlformats.org/drawingml/2006/diagram" xmlns:o="urn:schemas-microsoft-com:office:office" xmlns:v="urn:schemas-microsoft-com:vml" xmlns:pvml="urn:schemas-microsoft-com:office:powerpoint" xmlns:com="http://schemas.openxmlformats.org/drawingml/2006/compatibility" xmlns:p14="http://schemas.microsoft.com/office/powerpoint/2010/main" xmlns:p15="http://schemas.microsoft.com/office/powerpoint/2012/main" xmlns:ahyp="http://schemas.microsoft.com/office/drawing/2018/hyperlinkcolor" showMasterPhAnim="0" showMasterSp="0">
+  <p:cSld>
+    <p:spTree>
+      <p:nvGrpSpPr>
+        <p:cNvPr id="315" name="Shape 315"/>
+        <p:cNvGrpSpPr/>
+        <p:nvPr/>
+      </p:nvGrpSpPr>
+      <p:grpSpPr>
+        <a:xfrm>
+          <a:off x="0" y="0"/>
+          <a:ext cx="0" cy="0"/>
+          <a:chOff x="0" y="0"/>
+          <a:chExt cx="0" cy="0"/>
+        </a:xfrm>
+      </p:grpSpPr>
+      <p:sp>
+        <p:nvSpPr>
+          <p:cNvPr id="316" name="Google Shape;316;g10f77a2d6de_1_172:notes"/>
+          <p:cNvSpPr/>
+          <p:nvPr>
+            <p:ph idx="2" type="sldImg"/>
+          </p:nvPr>
+        </p:nvSpPr>
+        <p:spPr>
+          <a:xfrm>
+            <a:off x="381300" y="685800"/>
+            <a:ext cx="6096000" cy="3429000"/>
+          </a:xfrm>
+          <a:custGeom>
+            <a:rect b="b" l="l" r="r" t="t"/>
+            <a:pathLst>
+              <a:path extrusionOk="0" h="120000" w="120000">
+                <a:moveTo>
+                  <a:pt x="0" y="0"/>
+                </a:moveTo>
+                <a:lnTo>
+                  <a:pt x="120000" y="0"/>
+                </a:lnTo>
+                <a:lnTo>
+                  <a:pt x="120000" y="120000"/>
+                </a:lnTo>
+                <a:lnTo>
+                  <a:pt x="0" y="120000"/>
+                </a:lnTo>
+                <a:close/>
+              </a:path>
+            </a:pathLst>
+          </a:custGeom>
+        </p:spPr>
+      </p:sp>
+      <p:sp>
+        <p:nvSpPr>
+          <p:cNvPr id="317" name="Google Shape;317;g10f77a2d6de_1_172:notes"/>
           <p:cNvSpPr txBox="1"/>
           <p:nvPr>
             <p:ph idx="1" type="body"/>
@@ -10073,45 +10173,6 @@
           </a:p>
         </p:txBody>
       </p:sp>
-      <p:sp>
-        <p:nvSpPr>
-          <p:cNvPr id="127" name="Google Shape;127;p23"/>
-          <p:cNvSpPr txBox="1"/>
-          <p:nvPr>
-            <p:ph idx="1" type="subTitle"/>
-          </p:nvPr>
-        </p:nvSpPr>
-        <p:spPr>
-          <a:xfrm>
-            <a:off x="671250" y="3174876"/>
-            <a:ext cx="7801500" cy="792600"/>
-          </a:xfrm>
-          <a:prstGeom prst="rect">
-            <a:avLst/>
-          </a:prstGeom>
-        </p:spPr>
-        <p:txBody>
-          <a:bodyPr anchorCtr="0" anchor="t" bIns="91425" lIns="91425" spcFirstLastPara="1" rIns="91425" wrap="square" tIns="91425">
-            <a:normAutofit/>
-          </a:bodyPr>
-          <a:lstStyle/>
-          <a:p>
-            <a:pPr indent="0" lvl="0" marL="0" rtl="0" algn="ctr">
-              <a:spcBef>
-                <a:spcPts val="0"/>
-              </a:spcBef>
-              <a:spcAft>
-                <a:spcPts val="0"/>
-              </a:spcAft>
-              <a:buNone/>
-            </a:pPr>
-            <a:r>
-              <a:t/>
-            </a:r>
-            <a:endParaRPr/>
-          </a:p>
-        </p:txBody>
-      </p:sp>
     </p:spTree>
   </p:cSld>
   <p:clrMapOvr>
@@ -10125,7 +10186,7 @@
   <p:cSld>
     <p:spTree>
       <p:nvGrpSpPr>
-        <p:cNvPr id="131" name="Shape 131"/>
+        <p:cNvPr id="130" name="Shape 130"/>
         <p:cNvGrpSpPr/>
         <p:nvPr/>
       </p:nvGrpSpPr>
@@ -10139,7 +10200,7 @@
       </p:grpSpPr>
       <p:sp>
         <p:nvSpPr>
-          <p:cNvPr id="132" name="Google Shape;132;p24"/>
+          <p:cNvPr id="131" name="Google Shape;131;p24"/>
           <p:cNvSpPr txBox="1"/>
           <p:nvPr>
             <p:ph type="ctrTitle"/>
@@ -10182,7 +10243,7 @@
       </p:sp>
       <p:pic>
         <p:nvPicPr>
-          <p:cNvPr id="133" name="Google Shape;133;p24"/>
+          <p:cNvPr id="132" name="Google Shape;132;p24"/>
           <p:cNvPicPr preferRelativeResize="0"/>
           <p:nvPr/>
         </p:nvPicPr>
@@ -10210,7 +10271,7 @@
       </p:pic>
       <p:pic>
         <p:nvPicPr>
-          <p:cNvPr id="134" name="Google Shape;134;p24"/>
+          <p:cNvPr id="133" name="Google Shape;133;p24"/>
           <p:cNvPicPr preferRelativeResize="0"/>
           <p:nvPr/>
         </p:nvPicPr>
@@ -10238,7 +10299,7 @@
       </p:pic>
       <p:pic>
         <p:nvPicPr>
-          <p:cNvPr id="135" name="Google Shape;135;p24"/>
+          <p:cNvPr id="134" name="Google Shape;134;p24"/>
           <p:cNvPicPr preferRelativeResize="0"/>
           <p:nvPr/>
         </p:nvPicPr>
@@ -10266,7 +10327,7 @@
       </p:pic>
       <p:sp>
         <p:nvSpPr>
-          <p:cNvPr id="136" name="Google Shape;136;p24"/>
+          <p:cNvPr id="135" name="Google Shape;135;p24"/>
           <p:cNvSpPr txBox="1"/>
           <p:nvPr/>
         </p:nvSpPr>
@@ -10335,7 +10396,7 @@
   <p:cSld>
     <p:spTree>
       <p:nvGrpSpPr>
-        <p:cNvPr id="140" name="Shape 140"/>
+        <p:cNvPr id="139" name="Shape 139"/>
         <p:cNvGrpSpPr/>
         <p:nvPr/>
       </p:nvGrpSpPr>
@@ -10349,7 +10410,7 @@
       </p:grpSpPr>
       <p:sp>
         <p:nvSpPr>
-          <p:cNvPr id="141" name="Google Shape;141;p25"/>
+          <p:cNvPr id="140" name="Google Shape;140;p25"/>
           <p:cNvSpPr txBox="1"/>
           <p:nvPr>
             <p:ph type="ctrTitle"/>
@@ -10392,7 +10453,7 @@
       </p:sp>
       <p:sp>
         <p:nvSpPr>
-          <p:cNvPr id="142" name="Google Shape;142;p25"/>
+          <p:cNvPr id="141" name="Google Shape;141;p25"/>
           <p:cNvSpPr txBox="1"/>
           <p:nvPr/>
         </p:nvSpPr>
@@ -10442,7 +10503,7 @@
       </p:sp>
       <p:sp>
         <p:nvSpPr>
-          <p:cNvPr id="143" name="Google Shape;143;p25"/>
+          <p:cNvPr id="142" name="Google Shape;142;p25"/>
           <p:cNvSpPr txBox="1"/>
           <p:nvPr/>
         </p:nvSpPr>
@@ -10525,7 +10586,7 @@
                                           </p:stCondLst>
                                         </p:cTn>
                                         <p:tgtEl>
-                                          <p:spTgt spid="142"/>
+                                          <p:spTgt spid="141"/>
                                         </p:tgtEl>
                                         <p:attrNameLst>
                                           <p:attrName>style.visibility</p:attrName>
@@ -10570,7 +10631,7 @@
                                           </p:stCondLst>
                                         </p:cTn>
                                         <p:tgtEl>
-                                          <p:spTgt spid="143"/>
+                                          <p:spTgt spid="142"/>
                                         </p:tgtEl>
                                         <p:attrNameLst>
                                           <p:attrName>style.visibility</p:attrName>
@@ -10619,7 +10680,7 @@
   <p:cSld>
     <p:spTree>
       <p:nvGrpSpPr>
-        <p:cNvPr id="147" name="Shape 147"/>
+        <p:cNvPr id="146" name="Shape 146"/>
         <p:cNvGrpSpPr/>
         <p:nvPr/>
       </p:nvGrpSpPr>
@@ -10633,7 +10694,7 @@
       </p:grpSpPr>
       <p:pic>
         <p:nvPicPr>
-          <p:cNvPr id="148" name="Google Shape;148;p26"/>
+          <p:cNvPr id="147" name="Google Shape;147;p26"/>
           <p:cNvPicPr preferRelativeResize="0"/>
           <p:nvPr/>
         </p:nvPicPr>
@@ -10661,7 +10722,7 @@
       </p:pic>
       <p:pic>
         <p:nvPicPr>
-          <p:cNvPr id="149" name="Google Shape;149;p26"/>
+          <p:cNvPr id="148" name="Google Shape;148;p26"/>
           <p:cNvPicPr preferRelativeResize="0"/>
           <p:nvPr/>
         </p:nvPicPr>
@@ -10689,7 +10750,7 @@
       </p:pic>
       <p:sp>
         <p:nvSpPr>
-          <p:cNvPr id="150" name="Google Shape;150;p26"/>
+          <p:cNvPr id="149" name="Google Shape;149;p26"/>
           <p:cNvSpPr txBox="1"/>
           <p:nvPr/>
         </p:nvSpPr>
@@ -10739,7 +10800,7 @@
       </p:sp>
       <p:pic>
         <p:nvPicPr>
-          <p:cNvPr id="151" name="Google Shape;151;p26"/>
+          <p:cNvPr id="150" name="Google Shape;150;p26"/>
           <p:cNvPicPr preferRelativeResize="0"/>
           <p:nvPr/>
         </p:nvPicPr>
@@ -10767,7 +10828,7 @@
       </p:pic>
       <p:sp>
         <p:nvSpPr>
-          <p:cNvPr id="152" name="Google Shape;152;p26"/>
+          <p:cNvPr id="151" name="Google Shape;151;p26"/>
           <p:cNvSpPr txBox="1"/>
           <p:nvPr/>
         </p:nvSpPr>
@@ -10817,7 +10878,7 @@
       </p:sp>
       <p:pic>
         <p:nvPicPr>
-          <p:cNvPr id="153" name="Google Shape;153;p26"/>
+          <p:cNvPr id="152" name="Google Shape;152;p26"/>
           <p:cNvPicPr preferRelativeResize="0"/>
           <p:nvPr/>
         </p:nvPicPr>
@@ -10882,7 +10943,7 @@
                                           </p:stCondLst>
                                         </p:cTn>
                                         <p:tgtEl>
-                                          <p:spTgt spid="148"/>
+                                          <p:spTgt spid="147"/>
                                         </p:tgtEl>
                                         <p:attrNameLst>
                                           <p:attrName>style.visibility</p:attrName>
@@ -10896,7 +10957,7 @@
                                       <p:cBhvr>
                                         <p:cTn dur="300"/>
                                         <p:tgtEl>
-                                          <p:spTgt spid="148"/>
+                                          <p:spTgt spid="147"/>
                                         </p:tgtEl>
                                       </p:cBhvr>
                                     </p:animEffect>
@@ -10905,59 +10966,6 @@
                               </p:par>
                               <p:par>
                                 <p:cTn fill="hold" nodeType="withEffect" presetClass="entr" presetID="10" presetSubtype="0">
-                                  <p:stCondLst>
-                                    <p:cond delay="0"/>
-                                  </p:stCondLst>
-                                  <p:childTnLst>
-                                    <p:set>
-                                      <p:cBhvr>
-                                        <p:cTn dur="1" fill="hold">
-                                          <p:stCondLst>
-                                            <p:cond delay="0"/>
-                                          </p:stCondLst>
-                                        </p:cTn>
-                                        <p:tgtEl>
-                                          <p:spTgt spid="150"/>
-                                        </p:tgtEl>
-                                        <p:attrNameLst>
-                                          <p:attrName>style.visibility</p:attrName>
-                                        </p:attrNameLst>
-                                      </p:cBhvr>
-                                      <p:to>
-                                        <p:strVal val="visible"/>
-                                      </p:to>
-                                    </p:set>
-                                    <p:animEffect filter="fade" transition="in">
-                                      <p:cBhvr>
-                                        <p:cTn dur="500"/>
-                                        <p:tgtEl>
-                                          <p:spTgt spid="150"/>
-                                        </p:tgtEl>
-                                      </p:cBhvr>
-                                    </p:animEffect>
-                                  </p:childTnLst>
-                                </p:cTn>
-                              </p:par>
-                            </p:childTnLst>
-                          </p:cTn>
-                        </p:par>
-                      </p:childTnLst>
-                    </p:cTn>
-                  </p:par>
-                  <p:par>
-                    <p:cTn fill="hold">
-                      <p:stCondLst>
-                        <p:cond delay="indefinite"/>
-                      </p:stCondLst>
-                      <p:childTnLst>
-                        <p:par>
-                          <p:cTn fill="hold">
-                            <p:stCondLst>
-                              <p:cond delay="0"/>
-                            </p:stCondLst>
-                            <p:childTnLst>
-                              <p:par>
-                                <p:cTn fill="hold" nodeType="clickEffect" presetClass="entr" presetID="10" presetSubtype="0">
                                   <p:stCondLst>
                                     <p:cond delay="0"/>
                                   </p:stCondLst>
@@ -11023,7 +11031,7 @@
                                           </p:stCondLst>
                                         </p:cTn>
                                         <p:tgtEl>
-                                          <p:spTgt spid="151"/>
+                                          <p:spTgt spid="148"/>
                                         </p:tgtEl>
                                         <p:attrNameLst>
                                           <p:attrName>style.visibility</p:attrName>
@@ -11035,44 +11043,9 @@
                                     </p:set>
                                     <p:animEffect filter="fade" transition="in">
                                       <p:cBhvr>
-                                        <p:cTn dur="300"/>
+                                        <p:cTn dur="500"/>
                                         <p:tgtEl>
-                                          <p:spTgt spid="151"/>
-                                        </p:tgtEl>
-                                      </p:cBhvr>
-                                    </p:animEffect>
-                                  </p:childTnLst>
-                                </p:cTn>
-                              </p:par>
-                              <p:par>
-                                <p:cTn fill="hold" nodeType="withEffect" presetClass="entr" presetID="10" presetSubtype="0">
-                                  <p:stCondLst>
-                                    <p:cond delay="0"/>
-                                  </p:stCondLst>
-                                  <p:childTnLst>
-                                    <p:set>
-                                      <p:cBhvr>
-                                        <p:cTn dur="1" fill="hold">
-                                          <p:stCondLst>
-                                            <p:cond delay="0"/>
-                                          </p:stCondLst>
-                                        </p:cTn>
-                                        <p:tgtEl>
-                                          <p:spTgt spid="152"/>
-                                        </p:tgtEl>
-                                        <p:attrNameLst>
-                                          <p:attrName>style.visibility</p:attrName>
-                                        </p:attrNameLst>
-                                      </p:cBhvr>
-                                      <p:to>
-                                        <p:strVal val="visible"/>
-                                      </p:to>
-                                    </p:set>
-                                    <p:animEffect filter="fade" transition="in">
-                                      <p:cBhvr>
-                                        <p:cTn dur="400"/>
-                                        <p:tgtEl>
-                                          <p:spTgt spid="152"/>
+                                          <p:spTgt spid="148"/>
                                         </p:tgtEl>
                                       </p:cBhvr>
                                     </p:animEffect>
@@ -11111,7 +11084,7 @@
                                           </p:stCondLst>
                                         </p:cTn>
                                         <p:tgtEl>
-                                          <p:spTgt spid="153"/>
+                                          <p:spTgt spid="150"/>
                                         </p:tgtEl>
                                         <p:attrNameLst>
                                           <p:attrName>style.visibility</p:attrName>
@@ -11125,7 +11098,95 @@
                                       <p:cBhvr>
                                         <p:cTn dur="300"/>
                                         <p:tgtEl>
-                                          <p:spTgt spid="153"/>
+                                          <p:spTgt spid="150"/>
+                                        </p:tgtEl>
+                                      </p:cBhvr>
+                                    </p:animEffect>
+                                  </p:childTnLst>
+                                </p:cTn>
+                              </p:par>
+                              <p:par>
+                                <p:cTn fill="hold" nodeType="withEffect" presetClass="entr" presetID="10" presetSubtype="0">
+                                  <p:stCondLst>
+                                    <p:cond delay="0"/>
+                                  </p:stCondLst>
+                                  <p:childTnLst>
+                                    <p:set>
+                                      <p:cBhvr>
+                                        <p:cTn dur="1" fill="hold">
+                                          <p:stCondLst>
+                                            <p:cond delay="0"/>
+                                          </p:stCondLst>
+                                        </p:cTn>
+                                        <p:tgtEl>
+                                          <p:spTgt spid="151"/>
+                                        </p:tgtEl>
+                                        <p:attrNameLst>
+                                          <p:attrName>style.visibility</p:attrName>
+                                        </p:attrNameLst>
+                                      </p:cBhvr>
+                                      <p:to>
+                                        <p:strVal val="visible"/>
+                                      </p:to>
+                                    </p:set>
+                                    <p:animEffect filter="fade" transition="in">
+                                      <p:cBhvr>
+                                        <p:cTn dur="400"/>
+                                        <p:tgtEl>
+                                          <p:spTgt spid="151"/>
+                                        </p:tgtEl>
+                                      </p:cBhvr>
+                                    </p:animEffect>
+                                  </p:childTnLst>
+                                </p:cTn>
+                              </p:par>
+                            </p:childTnLst>
+                          </p:cTn>
+                        </p:par>
+                      </p:childTnLst>
+                    </p:cTn>
+                  </p:par>
+                  <p:par>
+                    <p:cTn fill="hold">
+                      <p:stCondLst>
+                        <p:cond delay="indefinite"/>
+                      </p:stCondLst>
+                      <p:childTnLst>
+                        <p:par>
+                          <p:cTn fill="hold">
+                            <p:stCondLst>
+                              <p:cond delay="0"/>
+                            </p:stCondLst>
+                            <p:childTnLst>
+                              <p:par>
+                                <p:cTn fill="hold" nodeType="clickEffect" presetClass="entr" presetID="10" presetSubtype="0">
+                                  <p:stCondLst>
+                                    <p:cond delay="0"/>
+                                  </p:stCondLst>
+                                  <p:childTnLst>
+                                    <p:set>
+                                      <p:cBhvr>
+                                        <p:cTn dur="1" fill="hold">
+                                          <p:stCondLst>
+                                            <p:cond delay="0"/>
+                                          </p:stCondLst>
+                                        </p:cTn>
+                                        <p:tgtEl>
+                                          <p:spTgt spid="152"/>
+                                        </p:tgtEl>
+                                        <p:attrNameLst>
+                                          <p:attrName>style.visibility</p:attrName>
+                                        </p:attrNameLst>
+                                      </p:cBhvr>
+                                      <p:to>
+                                        <p:strVal val="visible"/>
+                                      </p:to>
+                                    </p:set>
+                                    <p:animEffect filter="fade" transition="in">
+                                      <p:cBhvr>
+                                        <p:cTn dur="300"/>
+                                        <p:tgtEl>
+                                          <p:spTgt spid="152"/>
                                         </p:tgtEl>
                                       </p:cBhvr>
                                     </p:animEffect>
@@ -11168,7 +11229,7 @@
   <p:cSld>
     <p:spTree>
       <p:nvGrpSpPr>
-        <p:cNvPr id="157" name="Shape 157"/>
+        <p:cNvPr id="156" name="Shape 156"/>
         <p:cNvGrpSpPr/>
         <p:nvPr/>
       </p:nvGrpSpPr>
@@ -11182,7 +11243,7 @@
       </p:grpSpPr>
       <p:sp>
         <p:nvSpPr>
-          <p:cNvPr id="158" name="Google Shape;158;p27"/>
+          <p:cNvPr id="157" name="Google Shape;157;p27"/>
           <p:cNvSpPr txBox="1"/>
           <p:nvPr/>
         </p:nvSpPr>
@@ -11232,7 +11293,7 @@
       </p:sp>
       <p:sp>
         <p:nvSpPr>
-          <p:cNvPr id="159" name="Google Shape;159;p27"/>
+          <p:cNvPr id="158" name="Google Shape;158;p27"/>
           <p:cNvSpPr txBox="1"/>
           <p:nvPr/>
         </p:nvSpPr>
@@ -11282,7 +11343,7 @@
       </p:sp>
       <p:pic>
         <p:nvPicPr>
-          <p:cNvPr id="160" name="Google Shape;160;p27"/>
+          <p:cNvPr id="159" name="Google Shape;159;p27"/>
           <p:cNvPicPr preferRelativeResize="0"/>
           <p:nvPr/>
         </p:nvPicPr>
@@ -11310,7 +11371,7 @@
       </p:pic>
       <p:pic>
         <p:nvPicPr>
-          <p:cNvPr id="161" name="Google Shape;161;p27"/>
+          <p:cNvPr id="160" name="Google Shape;160;p27"/>
           <p:cNvPicPr preferRelativeResize="0"/>
           <p:nvPr/>
         </p:nvPicPr>
@@ -11338,7 +11399,7 @@
       </p:pic>
       <p:pic>
         <p:nvPicPr>
-          <p:cNvPr id="162" name="Google Shape;162;p27"/>
+          <p:cNvPr id="161" name="Google Shape;161;p27"/>
           <p:cNvPicPr preferRelativeResize="0"/>
           <p:nvPr/>
         </p:nvPicPr>
@@ -11366,7 +11427,7 @@
       </p:pic>
       <p:pic>
         <p:nvPicPr>
-          <p:cNvPr id="163" name="Google Shape;163;p27"/>
+          <p:cNvPr id="162" name="Google Shape;162;p27"/>
           <p:cNvPicPr preferRelativeResize="0"/>
           <p:nvPr/>
         </p:nvPicPr>
@@ -11431,7 +11492,7 @@
                                           </p:stCondLst>
                                         </p:cTn>
                                         <p:tgtEl>
-                                          <p:spTgt spid="160"/>
+                                          <p:spTgt spid="159"/>
                                         </p:tgtEl>
                                         <p:attrNameLst>
                                           <p:attrName>style.visibility</p:attrName>
@@ -11445,7 +11506,7 @@
                                       <p:cBhvr>
                                         <p:cTn dur="400"/>
                                         <p:tgtEl>
-                                          <p:spTgt spid="160"/>
+                                          <p:spTgt spid="159"/>
                                         </p:tgtEl>
                                       </p:cBhvr>
                                     </p:animEffect>
@@ -11466,7 +11527,7 @@
                                           </p:stCondLst>
                                         </p:cTn>
                                         <p:tgtEl>
-                                          <p:spTgt spid="158"/>
+                                          <p:spTgt spid="157"/>
                                         </p:tgtEl>
                                         <p:attrNameLst>
                                           <p:attrName>style.visibility</p:attrName>
@@ -11480,7 +11541,60 @@
                                       <p:cBhvr>
                                         <p:cTn dur="400"/>
                                         <p:tgtEl>
-                                          <p:spTgt spid="158"/>
+                                          <p:spTgt spid="157"/>
+                                        </p:tgtEl>
+                                      </p:cBhvr>
+                                    </p:animEffect>
+                                  </p:childTnLst>
+                                </p:cTn>
+                              </p:par>
+                            </p:childTnLst>
+                          </p:cTn>
+                        </p:par>
+                      </p:childTnLst>
+                    </p:cTn>
+                  </p:par>
+                  <p:par>
+                    <p:cTn fill="hold">
+                      <p:stCondLst>
+                        <p:cond delay="indefinite"/>
+                      </p:stCondLst>
+                      <p:childTnLst>
+                        <p:par>
+                          <p:cTn fill="hold">
+                            <p:stCondLst>
+                              <p:cond delay="0"/>
+                            </p:stCondLst>
+                            <p:childTnLst>
+                              <p:par>
+                                <p:cTn fill="hold" nodeType="clickEffect" presetClass="entr" presetID="10" presetSubtype="0">
+                                  <p:stCondLst>
+                                    <p:cond delay="0"/>
+                                  </p:stCondLst>
+                                  <p:childTnLst>
+                                    <p:set>
+                                      <p:cBhvr>
+                                        <p:cTn dur="1" fill="hold">
+                                          <p:stCondLst>
+                                            <p:cond delay="0"/>
+                                          </p:stCondLst>
+                                        </p:cTn>
+                                        <p:tgtEl>
+                                          <p:spTgt spid="160"/>
+                                        </p:tgtEl>
+                                        <p:attrNameLst>
+                                          <p:attrName>style.visibility</p:attrName>
+                                        </p:attrNameLst>
+                                      </p:cBhvr>
+                                      <p:to>
+                                        <p:strVal val="visible"/>
+                                      </p:to>
+                                    </p:set>
+                                    <p:animEffect filter="fade" transition="in">
+                                      <p:cBhvr>
+                                        <p:cTn dur="300"/>
+                                        <p:tgtEl>
+                                          <p:spTgt spid="160"/>
                                         </p:tgtEl>
                                       </p:cBhvr>
                                     </p:animEffect>
@@ -11540,6 +11654,41 @@
                                   </p:childTnLst>
                                 </p:cTn>
                               </p:par>
+                              <p:par>
+                                <p:cTn fill="hold" nodeType="withEffect" presetClass="entr" presetID="10" presetSubtype="0">
+                                  <p:stCondLst>
+                                    <p:cond delay="0"/>
+                                  </p:stCondLst>
+                                  <p:childTnLst>
+                                    <p:set>
+                                      <p:cBhvr>
+                                        <p:cTn dur="1" fill="hold">
+                                          <p:stCondLst>
+                                            <p:cond delay="0"/>
+                                          </p:stCondLst>
+                                        </p:cTn>
+                                        <p:tgtEl>
+                                          <p:spTgt spid="158"/>
+                                        </p:tgtEl>
+                                        <p:attrNameLst>
+                                          <p:attrName>style.visibility</p:attrName>
+                                        </p:attrNameLst>
+                                      </p:cBhvr>
+                                      <p:to>
+                                        <p:strVal val="visible"/>
+                                      </p:to>
+                                    </p:set>
+                                    <p:animEffect filter="fade" transition="in">
+                                      <p:cBhvr>
+                                        <p:cTn dur="300"/>
+                                        <p:tgtEl>
+                                          <p:spTgt spid="158"/>
+                                        </p:tgtEl>
+                                      </p:cBhvr>
+                                    </p:animEffect>
+                                  </p:childTnLst>
+                                </p:cTn>
+                              </p:par>
                             </p:childTnLst>
                           </p:cTn>
                         </p:par>
@@ -11593,94 +11742,6 @@
                                   </p:childTnLst>
                                 </p:cTn>
                               </p:par>
-                              <p:par>
-                                <p:cTn fill="hold" nodeType="withEffect" presetClass="entr" presetID="10" presetSubtype="0">
-                                  <p:stCondLst>
-                                    <p:cond delay="0"/>
-                                  </p:stCondLst>
-                                  <p:childTnLst>
-                                    <p:set>
-                                      <p:cBhvr>
-                                        <p:cTn dur="1" fill="hold">
-                                          <p:stCondLst>
-                                            <p:cond delay="0"/>
-                                          </p:stCondLst>
-                                        </p:cTn>
-                                        <p:tgtEl>
-                                          <p:spTgt spid="159"/>
-                                        </p:tgtEl>
-                                        <p:attrNameLst>
-                                          <p:attrName>style.visibility</p:attrName>
-                                        </p:attrNameLst>
-                                      </p:cBhvr>
-                                      <p:to>
-                                        <p:strVal val="visible"/>
-                                      </p:to>
-                                    </p:set>
-                                    <p:animEffect filter="fade" transition="in">
-                                      <p:cBhvr>
-                                        <p:cTn dur="300"/>
-                                        <p:tgtEl>
-                                          <p:spTgt spid="159"/>
-                                        </p:tgtEl>
-                                      </p:cBhvr>
-                                    </p:animEffect>
-                                  </p:childTnLst>
-                                </p:cTn>
-                              </p:par>
-                            </p:childTnLst>
-                          </p:cTn>
-                        </p:par>
-                      </p:childTnLst>
-                    </p:cTn>
-                  </p:par>
-                  <p:par>
-                    <p:cTn fill="hold">
-                      <p:stCondLst>
-                        <p:cond delay="indefinite"/>
-                      </p:stCondLst>
-                      <p:childTnLst>
-                        <p:par>
-                          <p:cTn fill="hold">
-                            <p:stCondLst>
-                              <p:cond delay="0"/>
-                            </p:stCondLst>
-                            <p:childTnLst>
-                              <p:par>
-                                <p:cTn fill="hold" nodeType="clickEffect" presetClass="entr" presetID="10" presetSubtype="0">
-                                  <p:stCondLst>
-                                    <p:cond delay="0"/>
-                                  </p:stCondLst>
-                                  <p:childTnLst>
-                                    <p:set>
-                                      <p:cBhvr>
-                                        <p:cTn dur="1" fill="hold">
-                                          <p:stCondLst>
-                                            <p:cond delay="0"/>
-                                          </p:stCondLst>
-                                        </p:cTn>
-                                        <p:tgtEl>
-                                          <p:spTgt spid="163"/>
-                                        </p:tgtEl>
-                                        <p:attrNameLst>
-                                          <p:attrName>style.visibility</p:attrName>
-                                        </p:attrNameLst>
-                                      </p:cBhvr>
-                                      <p:to>
-                                        <p:strVal val="visible"/>
-                                      </p:to>
-                                    </p:set>
-                                    <p:animEffect filter="fade" transition="in">
-                                      <p:cBhvr>
-                                        <p:cTn dur="300"/>
-                                        <p:tgtEl>
-                                          <p:spTgt spid="163"/>
-                                        </p:tgtEl>
-                                      </p:cBhvr>
-                                    </p:animEffect>
-                                  </p:childTnLst>
-                                </p:cTn>
-                              </p:par>
                             </p:childTnLst>
                           </p:cTn>
                         </p:par>
@@ -11717,7 +11778,7 @@
   <p:cSld>
     <p:spTree>
       <p:nvGrpSpPr>
-        <p:cNvPr id="167" name="Shape 167"/>
+        <p:cNvPr id="166" name="Shape 166"/>
         <p:cNvGrpSpPr/>
         <p:nvPr/>
       </p:nvGrpSpPr>
@@ -11731,7 +11792,7 @@
       </p:grpSpPr>
       <p:sp>
         <p:nvSpPr>
-          <p:cNvPr id="168" name="Google Shape;168;p28"/>
+          <p:cNvPr id="167" name="Google Shape;167;p28"/>
           <p:cNvSpPr txBox="1"/>
           <p:nvPr>
             <p:ph type="ctrTitle"/>
@@ -11775,7 +11836,7 @@
       </p:sp>
       <p:sp>
         <p:nvSpPr>
-          <p:cNvPr id="169" name="Google Shape;169;p28"/>
+          <p:cNvPr id="168" name="Google Shape;168;p28"/>
           <p:cNvSpPr txBox="1"/>
           <p:nvPr/>
         </p:nvSpPr>
@@ -11849,7 +11910,7 @@
       </p:sp>
       <p:pic>
         <p:nvPicPr>
-          <p:cNvPr id="170" name="Google Shape;170;p28"/>
+          <p:cNvPr id="169" name="Google Shape;169;p28"/>
           <p:cNvPicPr preferRelativeResize="0"/>
           <p:nvPr/>
         </p:nvPicPr>
@@ -11888,7 +11949,7 @@
   <p:cSld>
     <p:spTree>
       <p:nvGrpSpPr>
-        <p:cNvPr id="174" name="Shape 174"/>
+        <p:cNvPr id="173" name="Shape 173"/>
         <p:cNvGrpSpPr/>
         <p:nvPr/>
       </p:nvGrpSpPr>
@@ -11902,7 +11963,7 @@
       </p:grpSpPr>
       <p:sp>
         <p:nvSpPr>
-          <p:cNvPr id="175" name="Google Shape;175;p29"/>
+          <p:cNvPr id="174" name="Google Shape;174;p29"/>
           <p:cNvSpPr txBox="1"/>
           <p:nvPr>
             <p:ph type="ctrTitle"/>
@@ -11956,7 +12017,7 @@
   <p:cSld>
     <p:spTree>
       <p:nvGrpSpPr>
-        <p:cNvPr id="179" name="Shape 179"/>
+        <p:cNvPr id="178" name="Shape 178"/>
         <p:cNvGrpSpPr/>
         <p:nvPr/>
       </p:nvGrpSpPr>
@@ -11970,7 +12031,7 @@
       </p:grpSpPr>
       <p:sp>
         <p:nvSpPr>
-          <p:cNvPr id="180" name="Google Shape;180;p30"/>
+          <p:cNvPr id="179" name="Google Shape;179;p30"/>
           <p:cNvSpPr txBox="1"/>
           <p:nvPr>
             <p:ph type="title"/>
@@ -12011,7 +12072,7 @@
       </p:sp>
       <p:pic>
         <p:nvPicPr>
-          <p:cNvPr id="181" name="Google Shape;181;p30"/>
+          <p:cNvPr id="180" name="Google Shape;180;p30"/>
           <p:cNvPicPr preferRelativeResize="0"/>
           <p:nvPr/>
         </p:nvPicPr>
@@ -12050,7 +12111,7 @@
   <p:cSld>
     <p:spTree>
       <p:nvGrpSpPr>
-        <p:cNvPr id="185" name="Shape 185"/>
+        <p:cNvPr id="184" name="Shape 184"/>
         <p:cNvGrpSpPr/>
         <p:nvPr/>
       </p:nvGrpSpPr>
@@ -12064,7 +12125,7 @@
       </p:grpSpPr>
       <p:sp>
         <p:nvSpPr>
-          <p:cNvPr id="186" name="Google Shape;186;p31"/>
+          <p:cNvPr id="185" name="Google Shape;185;p31"/>
           <p:cNvSpPr txBox="1"/>
           <p:nvPr>
             <p:ph type="ctrTitle"/>
@@ -12107,7 +12168,7 @@
       </p:sp>
       <p:pic>
         <p:nvPicPr>
-          <p:cNvPr id="187" name="Google Shape;187;p31"/>
+          <p:cNvPr id="186" name="Google Shape;186;p31"/>
           <p:cNvPicPr preferRelativeResize="0"/>
           <p:nvPr/>
         </p:nvPicPr>
@@ -12135,7 +12196,7 @@
       </p:pic>
       <p:sp>
         <p:nvSpPr>
-          <p:cNvPr id="188" name="Google Shape;188;p31"/>
+          <p:cNvPr id="187" name="Google Shape;187;p31"/>
           <p:cNvSpPr txBox="1"/>
           <p:nvPr/>
         </p:nvSpPr>
@@ -12299,7 +12360,7 @@
                                           </p:stCondLst>
                                         </p:cTn>
                                         <p:tgtEl>
-                                          <p:spTgt spid="188"/>
+                                          <p:spTgt spid="187"/>
                                         </p:tgtEl>
                                         <p:attrNameLst>
                                           <p:attrName>style.visibility</p:attrName>
@@ -12313,7 +12374,7 @@
                                       <p:cBhvr>
                                         <p:cTn dur="500"/>
                                         <p:tgtEl>
-                                          <p:spTgt spid="188"/>
+                                          <p:spTgt spid="187"/>
                                         </p:tgtEl>
                                       </p:cBhvr>
                                     </p:animEffect>
@@ -12882,7 +12943,7 @@
   <p:cSld>
     <p:spTree>
       <p:nvGrpSpPr>
-        <p:cNvPr id="192" name="Shape 192"/>
+        <p:cNvPr id="191" name="Shape 191"/>
         <p:cNvGrpSpPr/>
         <p:nvPr/>
       </p:nvGrpSpPr>
@@ -12896,7 +12957,7 @@
       </p:grpSpPr>
       <p:sp>
         <p:nvSpPr>
-          <p:cNvPr id="193" name="Google Shape;193;p32"/>
+          <p:cNvPr id="192" name="Google Shape;192;p32"/>
           <p:cNvSpPr txBox="1"/>
           <p:nvPr>
             <p:ph type="ctrTitle"/>
@@ -12939,7 +13000,7 @@
       </p:sp>
       <p:sp>
         <p:nvSpPr>
-          <p:cNvPr id="194" name="Google Shape;194;p32"/>
+          <p:cNvPr id="193" name="Google Shape;193;p32"/>
           <p:cNvSpPr txBox="1"/>
           <p:nvPr/>
         </p:nvSpPr>
@@ -13058,7 +13119,7 @@
       </p:sp>
       <p:pic>
         <p:nvPicPr>
-          <p:cNvPr id="195" name="Google Shape;195;p32"/>
+          <p:cNvPr id="194" name="Google Shape;194;p32"/>
           <p:cNvPicPr preferRelativeResize="0"/>
           <p:nvPr/>
         </p:nvPicPr>
@@ -13123,7 +13184,7 @@
                                           </p:stCondLst>
                                         </p:cTn>
                                         <p:tgtEl>
-                                          <p:spTgt spid="194"/>
+                                          <p:spTgt spid="193"/>
                                         </p:tgtEl>
                                         <p:attrNameLst>
                                           <p:attrName>style.visibility</p:attrName>
@@ -13137,7 +13198,7 @@
                                       <p:cBhvr>
                                         <p:cTn dur="500"/>
                                         <p:tgtEl>
-                                          <p:spTgt spid="194"/>
+                                          <p:spTgt spid="193"/>
                                         </p:tgtEl>
                                       </p:cBhvr>
                                     </p:animEffect>
@@ -13180,7 +13241,7 @@
   <p:cSld>
     <p:spTree>
       <p:nvGrpSpPr>
-        <p:cNvPr id="199" name="Shape 199"/>
+        <p:cNvPr id="198" name="Shape 198"/>
         <p:cNvGrpSpPr/>
         <p:nvPr/>
       </p:nvGrpSpPr>
@@ -13194,7 +13255,7 @@
       </p:grpSpPr>
       <p:sp>
         <p:nvSpPr>
-          <p:cNvPr id="200" name="Google Shape;200;p33"/>
+          <p:cNvPr id="199" name="Google Shape;199;p33"/>
           <p:cNvSpPr txBox="1"/>
           <p:nvPr>
             <p:ph type="ctrTitle"/>
@@ -13232,45 +13293,6 @@
               <a:t>What happened?</a:t>
             </a:r>
             <a:endParaRPr b="1" sz="4900"/>
-          </a:p>
-        </p:txBody>
-      </p:sp>
-      <p:sp>
-        <p:nvSpPr>
-          <p:cNvPr id="201" name="Google Shape;201;p33"/>
-          <p:cNvSpPr txBox="1"/>
-          <p:nvPr>
-            <p:ph idx="1" type="subTitle"/>
-          </p:nvPr>
-        </p:nvSpPr>
-        <p:spPr>
-          <a:xfrm>
-            <a:off x="671250" y="3174876"/>
-            <a:ext cx="7801500" cy="792600"/>
-          </a:xfrm>
-          <a:prstGeom prst="rect">
-            <a:avLst/>
-          </a:prstGeom>
-        </p:spPr>
-        <p:txBody>
-          <a:bodyPr anchorCtr="0" anchor="t" bIns="91425" lIns="91425" spcFirstLastPara="1" rIns="91425" wrap="square" tIns="91425">
-            <a:normAutofit/>
-          </a:bodyPr>
-          <a:lstStyle/>
-          <a:p>
-            <a:pPr indent="0" lvl="0" marL="0" rtl="0" algn="ctr">
-              <a:spcBef>
-                <a:spcPts val="0"/>
-              </a:spcBef>
-              <a:spcAft>
-                <a:spcPts val="0"/>
-              </a:spcAft>
-              <a:buNone/>
-            </a:pPr>
-            <a:r>
-              <a:t/>
-            </a:r>
-            <a:endParaRPr/>
           </a:p>
         </p:txBody>
       </p:sp>
@@ -13287,7 +13309,7 @@
   <p:cSld>
     <p:spTree>
       <p:nvGrpSpPr>
-        <p:cNvPr id="205" name="Shape 205"/>
+        <p:cNvPr id="203" name="Shape 203"/>
         <p:cNvGrpSpPr/>
         <p:nvPr/>
       </p:nvGrpSpPr>
@@ -13301,7 +13323,7 @@
       </p:grpSpPr>
       <p:sp>
         <p:nvSpPr>
-          <p:cNvPr id="206" name="Google Shape;206;p34"/>
+          <p:cNvPr id="204" name="Google Shape;204;p34"/>
           <p:cNvSpPr txBox="1"/>
           <p:nvPr>
             <p:ph type="ctrTitle"/>
@@ -13344,7 +13366,7 @@
       </p:sp>
       <p:sp>
         <p:nvSpPr>
-          <p:cNvPr id="207" name="Google Shape;207;p34"/>
+          <p:cNvPr id="205" name="Google Shape;205;p34"/>
           <p:cNvSpPr txBox="1"/>
           <p:nvPr/>
         </p:nvSpPr>
@@ -13463,7 +13485,7 @@
       </p:sp>
       <p:pic>
         <p:nvPicPr>
-          <p:cNvPr id="208" name="Google Shape;208;p34"/>
+          <p:cNvPr id="206" name="Google Shape;206;p34"/>
           <p:cNvPicPr preferRelativeResize="0"/>
           <p:nvPr/>
         </p:nvPicPr>
@@ -13491,7 +13513,7 @@
       </p:pic>
       <p:sp>
         <p:nvSpPr>
-          <p:cNvPr id="209" name="Google Shape;209;p34"/>
+          <p:cNvPr id="207" name="Google Shape;207;p34"/>
           <p:cNvSpPr txBox="1"/>
           <p:nvPr/>
         </p:nvSpPr>
@@ -13603,59 +13625,6 @@
             <p:seq concurrent="1" nextAc="seek">
               <p:cTn dur="indefinite" id="2" nodeType="mainSeq">
                 <p:childTnLst>
-                  <p:par>
-                    <p:cTn fill="hold">
-                      <p:stCondLst>
-                        <p:cond delay="indefinite"/>
-                      </p:stCondLst>
-                      <p:childTnLst>
-                        <p:par>
-                          <p:cTn fill="hold">
-                            <p:stCondLst>
-                              <p:cond delay="0"/>
-                            </p:stCondLst>
-                            <p:childTnLst>
-                              <p:par>
-                                <p:cTn fill="hold" nodeType="clickEffect" presetClass="entr" presetID="10" presetSubtype="0">
-                                  <p:stCondLst>
-                                    <p:cond delay="0"/>
-                                  </p:stCondLst>
-                                  <p:childTnLst>
-                                    <p:set>
-                                      <p:cBhvr>
-                                        <p:cTn dur="1" fill="hold">
-                                          <p:stCondLst>
-                                            <p:cond delay="0"/>
-                                          </p:stCondLst>
-                                        </p:cTn>
-                                        <p:tgtEl>
-                                          <p:spTgt spid="209"/>
-                                        </p:tgtEl>
-                                        <p:attrNameLst>
-                                          <p:attrName>style.visibility</p:attrName>
-                                        </p:attrNameLst>
-                                      </p:cBhvr>
-                                      <p:to>
-                                        <p:strVal val="visible"/>
-                                      </p:to>
-                                    </p:set>
-                                    <p:animEffect filter="fade" transition="in">
-                                      <p:cBhvr>
-                                        <p:cTn dur="400"/>
-                                        <p:tgtEl>
-                                          <p:spTgt spid="209"/>
-                                        </p:tgtEl>
-                                      </p:cBhvr>
-                                    </p:animEffect>
-                                  </p:childTnLst>
-                                </p:cTn>
-                              </p:par>
-                            </p:childTnLst>
-                          </p:cTn>
-                        </p:par>
-                      </p:childTnLst>
-                    </p:cTn>
-                  </p:par>
                   <p:par>
                     <p:cTn fill="hold">
                       <p:stCondLst>
@@ -13709,6 +13678,59 @@
                       </p:childTnLst>
                     </p:cTn>
                   </p:par>
+                  <p:par>
+                    <p:cTn fill="hold">
+                      <p:stCondLst>
+                        <p:cond delay="indefinite"/>
+                      </p:stCondLst>
+                      <p:childTnLst>
+                        <p:par>
+                          <p:cTn fill="hold">
+                            <p:stCondLst>
+                              <p:cond delay="0"/>
+                            </p:stCondLst>
+                            <p:childTnLst>
+                              <p:par>
+                                <p:cTn fill="hold" nodeType="clickEffect" presetClass="entr" presetID="10" presetSubtype="0">
+                                  <p:stCondLst>
+                                    <p:cond delay="0"/>
+                                  </p:stCondLst>
+                                  <p:childTnLst>
+                                    <p:set>
+                                      <p:cBhvr>
+                                        <p:cTn dur="1" fill="hold">
+                                          <p:stCondLst>
+                                            <p:cond delay="0"/>
+                                          </p:stCondLst>
+                                        </p:cTn>
+                                        <p:tgtEl>
+                                          <p:spTgt spid="205"/>
+                                        </p:tgtEl>
+                                        <p:attrNameLst>
+                                          <p:attrName>style.visibility</p:attrName>
+                                        </p:attrNameLst>
+                                      </p:cBhvr>
+                                      <p:to>
+                                        <p:strVal val="visible"/>
+                                      </p:to>
+                                    </p:set>
+                                    <p:animEffect filter="fade" transition="in">
+                                      <p:cBhvr>
+                                        <p:cTn dur="400"/>
+                                        <p:tgtEl>
+                                          <p:spTgt spid="205"/>
+                                        </p:tgtEl>
+                                      </p:cBhvr>
+                                    </p:animEffect>
+                                  </p:childTnLst>
+                                </p:cTn>
+                              </p:par>
+                            </p:childTnLst>
+                          </p:cTn>
+                        </p:par>
+                      </p:childTnLst>
+                    </p:cTn>
+                  </p:par>
                 </p:childTnLst>
               </p:cTn>
               <p:prevCondLst>
@@ -13739,7 +13761,7 @@
   <p:cSld>
     <p:spTree>
       <p:nvGrpSpPr>
-        <p:cNvPr id="213" name="Shape 213"/>
+        <p:cNvPr id="211" name="Shape 211"/>
         <p:cNvGrpSpPr/>
         <p:nvPr/>
       </p:nvGrpSpPr>
@@ -13753,7 +13775,7 @@
       </p:grpSpPr>
       <p:sp>
         <p:nvSpPr>
-          <p:cNvPr id="214" name="Google Shape;214;p35"/>
+          <p:cNvPr id="212" name="Google Shape;212;p35"/>
           <p:cNvSpPr txBox="1"/>
           <p:nvPr>
             <p:ph type="ctrTitle"/>
@@ -13807,7 +13829,7 @@
   <p:cSld>
     <p:spTree>
       <p:nvGrpSpPr>
-        <p:cNvPr id="218" name="Shape 218"/>
+        <p:cNvPr id="216" name="Shape 216"/>
         <p:cNvGrpSpPr/>
         <p:nvPr/>
       </p:nvGrpSpPr>
@@ -13821,7 +13843,7 @@
       </p:grpSpPr>
       <p:sp>
         <p:nvSpPr>
-          <p:cNvPr id="219" name="Google Shape;219;p36"/>
+          <p:cNvPr id="217" name="Google Shape;217;p36"/>
           <p:cNvSpPr txBox="1"/>
           <p:nvPr>
             <p:ph type="ctrTitle"/>
@@ -13864,7 +13886,7 @@
       </p:sp>
       <p:sp>
         <p:nvSpPr>
-          <p:cNvPr id="220" name="Google Shape;220;p36"/>
+          <p:cNvPr id="218" name="Google Shape;218;p36"/>
           <p:cNvSpPr txBox="1"/>
           <p:nvPr/>
         </p:nvSpPr>
@@ -13983,7 +14005,7 @@
       </p:sp>
       <p:pic>
         <p:nvPicPr>
-          <p:cNvPr id="221" name="Google Shape;221;p36"/>
+          <p:cNvPr id="219" name="Google Shape;219;p36"/>
           <p:cNvPicPr preferRelativeResize="0"/>
           <p:nvPr/>
         </p:nvPicPr>
@@ -14011,7 +14033,7 @@
       </p:pic>
       <p:sp>
         <p:nvSpPr>
-          <p:cNvPr id="222" name="Google Shape;222;p36"/>
+          <p:cNvPr id="220" name="Google Shape;220;p36"/>
           <p:cNvSpPr txBox="1"/>
           <p:nvPr/>
         </p:nvSpPr>
@@ -14123,59 +14145,6 @@
             <p:seq concurrent="1" nextAc="seek">
               <p:cTn dur="indefinite" id="2" nodeType="mainSeq">
                 <p:childTnLst>
-                  <p:par>
-                    <p:cTn fill="hold">
-                      <p:stCondLst>
-                        <p:cond delay="indefinite"/>
-                      </p:stCondLst>
-                      <p:childTnLst>
-                        <p:par>
-                          <p:cTn fill="hold">
-                            <p:stCondLst>
-                              <p:cond delay="0"/>
-                            </p:stCondLst>
-                            <p:childTnLst>
-                              <p:par>
-                                <p:cTn fill="hold" nodeType="clickEffect" presetClass="entr" presetID="10" presetSubtype="0">
-                                  <p:stCondLst>
-                                    <p:cond delay="0"/>
-                                  </p:stCondLst>
-                                  <p:childTnLst>
-                                    <p:set>
-                                      <p:cBhvr>
-                                        <p:cTn dur="1" fill="hold">
-                                          <p:stCondLst>
-                                            <p:cond delay="0"/>
-                                          </p:stCondLst>
-                                        </p:cTn>
-                                        <p:tgtEl>
-                                          <p:spTgt spid="222"/>
-                                        </p:tgtEl>
-                                        <p:attrNameLst>
-                                          <p:attrName>style.visibility</p:attrName>
-                                        </p:attrNameLst>
-                                      </p:cBhvr>
-                                      <p:to>
-                                        <p:strVal val="visible"/>
-                                      </p:to>
-                                    </p:set>
-                                    <p:animEffect filter="fade" transition="in">
-                                      <p:cBhvr>
-                                        <p:cTn dur="500"/>
-                                        <p:tgtEl>
-                                          <p:spTgt spid="222"/>
-                                        </p:tgtEl>
-                                      </p:cBhvr>
-                                    </p:animEffect>
-                                  </p:childTnLst>
-                                </p:cTn>
-                              </p:par>
-                            </p:childTnLst>
-                          </p:cTn>
-                        </p:par>
-                      </p:childTnLst>
-                    </p:cTn>
-                  </p:par>
                   <p:par>
                     <p:cTn fill="hold">
                       <p:stCondLst>
@@ -14229,6 +14198,59 @@
                       </p:childTnLst>
                     </p:cTn>
                   </p:par>
+                  <p:par>
+                    <p:cTn fill="hold">
+                      <p:stCondLst>
+                        <p:cond delay="indefinite"/>
+                      </p:stCondLst>
+                      <p:childTnLst>
+                        <p:par>
+                          <p:cTn fill="hold">
+                            <p:stCondLst>
+                              <p:cond delay="0"/>
+                            </p:stCondLst>
+                            <p:childTnLst>
+                              <p:par>
+                                <p:cTn fill="hold" nodeType="clickEffect" presetClass="entr" presetID="10" presetSubtype="0">
+                                  <p:stCondLst>
+                                    <p:cond delay="0"/>
+                                  </p:stCondLst>
+                                  <p:childTnLst>
+                                    <p:set>
+                                      <p:cBhvr>
+                                        <p:cTn dur="1" fill="hold">
+                                          <p:stCondLst>
+                                            <p:cond delay="0"/>
+                                          </p:stCondLst>
+                                        </p:cTn>
+                                        <p:tgtEl>
+                                          <p:spTgt spid="218"/>
+                                        </p:tgtEl>
+                                        <p:attrNameLst>
+                                          <p:attrName>style.visibility</p:attrName>
+                                        </p:attrNameLst>
+                                      </p:cBhvr>
+                                      <p:to>
+                                        <p:strVal val="visible"/>
+                                      </p:to>
+                                    </p:set>
+                                    <p:animEffect filter="fade" transition="in">
+                                      <p:cBhvr>
+                                        <p:cTn dur="500"/>
+                                        <p:tgtEl>
+                                          <p:spTgt spid="218"/>
+                                        </p:tgtEl>
+                                      </p:cBhvr>
+                                    </p:animEffect>
+                                  </p:childTnLst>
+                                </p:cTn>
+                              </p:par>
+                            </p:childTnLst>
+                          </p:cTn>
+                        </p:par>
+                      </p:childTnLst>
+                    </p:cTn>
+                  </p:par>
                 </p:childTnLst>
               </p:cTn>
               <p:prevCondLst>
@@ -14259,7 +14281,7 @@
   <p:cSld>
     <p:spTree>
       <p:nvGrpSpPr>
-        <p:cNvPr id="226" name="Shape 226"/>
+        <p:cNvPr id="224" name="Shape 224"/>
         <p:cNvGrpSpPr/>
         <p:nvPr/>
       </p:nvGrpSpPr>
@@ -14273,7 +14295,7 @@
       </p:grpSpPr>
       <p:sp>
         <p:nvSpPr>
-          <p:cNvPr id="227" name="Google Shape;227;p37"/>
+          <p:cNvPr id="225" name="Google Shape;225;p37"/>
           <p:cNvSpPr txBox="1"/>
           <p:nvPr>
             <p:ph type="ctrTitle"/>
@@ -14311,45 +14333,6 @@
               <a:t>Areas of Focus</a:t>
             </a:r>
             <a:endParaRPr b="1" sz="4900"/>
-          </a:p>
-        </p:txBody>
-      </p:sp>
-      <p:sp>
-        <p:nvSpPr>
-          <p:cNvPr id="228" name="Google Shape;228;p37"/>
-          <p:cNvSpPr txBox="1"/>
-          <p:nvPr>
-            <p:ph idx="1" type="subTitle"/>
-          </p:nvPr>
-        </p:nvSpPr>
-        <p:spPr>
-          <a:xfrm>
-            <a:off x="671250" y="3174876"/>
-            <a:ext cx="7801500" cy="792600"/>
-          </a:xfrm>
-          <a:prstGeom prst="rect">
-            <a:avLst/>
-          </a:prstGeom>
-        </p:spPr>
-        <p:txBody>
-          <a:bodyPr anchorCtr="0" anchor="t" bIns="91425" lIns="91425" spcFirstLastPara="1" rIns="91425" wrap="square" tIns="91425">
-            <a:normAutofit/>
-          </a:bodyPr>
-          <a:lstStyle/>
-          <a:p>
-            <a:pPr indent="0" lvl="0" marL="0" rtl="0" algn="ctr">
-              <a:spcBef>
-                <a:spcPts val="0"/>
-              </a:spcBef>
-              <a:spcAft>
-                <a:spcPts val="0"/>
-              </a:spcAft>
-              <a:buNone/>
-            </a:pPr>
-            <a:r>
-              <a:t/>
-            </a:r>
-            <a:endParaRPr/>
           </a:p>
         </p:txBody>
       </p:sp>
@@ -14366,7 +14349,7 @@
   <p:cSld>
     <p:spTree>
       <p:nvGrpSpPr>
-        <p:cNvPr id="232" name="Shape 232"/>
+        <p:cNvPr id="229" name="Shape 229"/>
         <p:cNvGrpSpPr/>
         <p:nvPr/>
       </p:nvGrpSpPr>
@@ -14380,7 +14363,7 @@
       </p:grpSpPr>
       <p:sp>
         <p:nvSpPr>
-          <p:cNvPr id="233" name="Google Shape;233;p38"/>
+          <p:cNvPr id="230" name="Google Shape;230;p38"/>
           <p:cNvSpPr txBox="1"/>
           <p:nvPr>
             <p:ph type="ctrTitle"/>
@@ -14423,7 +14406,7 @@
       </p:sp>
       <p:sp>
         <p:nvSpPr>
-          <p:cNvPr id="234" name="Google Shape;234;p38"/>
+          <p:cNvPr id="231" name="Google Shape;231;p38"/>
           <p:cNvSpPr txBox="1"/>
           <p:nvPr/>
         </p:nvSpPr>
@@ -14511,7 +14494,7 @@
       </p:sp>
       <p:pic>
         <p:nvPicPr>
-          <p:cNvPr id="235" name="Google Shape;235;p38"/>
+          <p:cNvPr id="232" name="Google Shape;232;p38"/>
           <p:cNvPicPr preferRelativeResize="0"/>
           <p:nvPr/>
         </p:nvPicPr>
@@ -14576,7 +14559,7 @@
                                           </p:stCondLst>
                                         </p:cTn>
                                         <p:tgtEl>
-                                          <p:spTgt spid="234"/>
+                                          <p:spTgt spid="231"/>
                                         </p:tgtEl>
                                         <p:attrNameLst>
                                           <p:attrName>style.visibility</p:attrName>
@@ -14590,7 +14573,7 @@
                                       <p:cBhvr>
                                         <p:cTn dur="500"/>
                                         <p:tgtEl>
-                                          <p:spTgt spid="234"/>
+                                          <p:spTgt spid="231"/>
                                         </p:tgtEl>
                                       </p:cBhvr>
                                     </p:animEffect>
@@ -14633,7 +14616,7 @@
   <p:cSld>
     <p:spTree>
       <p:nvGrpSpPr>
-        <p:cNvPr id="239" name="Shape 239"/>
+        <p:cNvPr id="236" name="Shape 236"/>
         <p:cNvGrpSpPr/>
         <p:nvPr/>
       </p:nvGrpSpPr>
@@ -14647,7 +14630,7 @@
       </p:grpSpPr>
       <p:sp>
         <p:nvSpPr>
-          <p:cNvPr id="240" name="Google Shape;240;p39"/>
+          <p:cNvPr id="237" name="Google Shape;237;p39"/>
           <p:cNvSpPr txBox="1"/>
           <p:nvPr>
             <p:ph type="ctrTitle"/>
@@ -14690,7 +14673,7 @@
       </p:sp>
       <p:sp>
         <p:nvSpPr>
-          <p:cNvPr id="241" name="Google Shape;241;p39"/>
+          <p:cNvPr id="238" name="Google Shape;238;p39"/>
           <p:cNvSpPr txBox="1"/>
           <p:nvPr/>
         </p:nvSpPr>
@@ -14825,7 +14808,7 @@
       </p:sp>
       <p:pic>
         <p:nvPicPr>
-          <p:cNvPr id="242" name="Google Shape;242;p39"/>
+          <p:cNvPr id="239" name="Google Shape;239;p39"/>
           <p:cNvPicPr preferRelativeResize="0"/>
           <p:nvPr/>
         </p:nvPicPr>
@@ -14890,7 +14873,7 @@
                                           </p:stCondLst>
                                         </p:cTn>
                                         <p:tgtEl>
-                                          <p:spTgt spid="241"/>
+                                          <p:spTgt spid="238"/>
                                         </p:tgtEl>
                                         <p:attrNameLst>
                                           <p:attrName>style.visibility</p:attrName>
@@ -14904,7 +14887,7 @@
                                       <p:cBhvr>
                                         <p:cTn dur="500"/>
                                         <p:tgtEl>
-                                          <p:spTgt spid="241"/>
+                                          <p:spTgt spid="238"/>
                                         </p:tgtEl>
                                       </p:cBhvr>
                                     </p:animEffect>
@@ -14947,7 +14930,7 @@
   <p:cSld>
     <p:spTree>
       <p:nvGrpSpPr>
-        <p:cNvPr id="246" name="Shape 246"/>
+        <p:cNvPr id="243" name="Shape 243"/>
         <p:cNvGrpSpPr/>
         <p:nvPr/>
       </p:nvGrpSpPr>
@@ -14961,7 +14944,7 @@
       </p:grpSpPr>
       <p:sp>
         <p:nvSpPr>
-          <p:cNvPr id="247" name="Google Shape;247;p40"/>
+          <p:cNvPr id="244" name="Google Shape;244;p40"/>
           <p:cNvSpPr txBox="1"/>
           <p:nvPr>
             <p:ph type="ctrTitle"/>
@@ -15004,7 +14987,7 @@
       </p:sp>
       <p:sp>
         <p:nvSpPr>
-          <p:cNvPr id="248" name="Google Shape;248;p40"/>
+          <p:cNvPr id="245" name="Google Shape;245;p40"/>
           <p:cNvSpPr txBox="1"/>
           <p:nvPr/>
         </p:nvSpPr>
@@ -15139,7 +15122,7 @@
       </p:sp>
       <p:pic>
         <p:nvPicPr>
-          <p:cNvPr id="249" name="Google Shape;249;p40"/>
+          <p:cNvPr id="246" name="Google Shape;246;p40"/>
           <p:cNvPicPr preferRelativeResize="0"/>
           <p:nvPr/>
         </p:nvPicPr>
@@ -15204,7 +15187,7 @@
                                           </p:stCondLst>
                                         </p:cTn>
                                         <p:tgtEl>
-                                          <p:spTgt spid="248"/>
+                                          <p:spTgt spid="245"/>
                                         </p:tgtEl>
                                         <p:attrNameLst>
                                           <p:attrName>style.visibility</p:attrName>
@@ -15218,7 +15201,7 @@
                                       <p:cBhvr>
                                         <p:cTn dur="500"/>
                                         <p:tgtEl>
-                                          <p:spTgt spid="248"/>
+                                          <p:spTgt spid="245"/>
                                         </p:tgtEl>
                                       </p:cBhvr>
                                     </p:animEffect>
@@ -15261,7 +15244,7 @@
   <p:cSld>
     <p:spTree>
       <p:nvGrpSpPr>
-        <p:cNvPr id="253" name="Shape 253"/>
+        <p:cNvPr id="250" name="Shape 250"/>
         <p:cNvGrpSpPr/>
         <p:nvPr/>
       </p:nvGrpSpPr>
@@ -15275,7 +15258,7 @@
       </p:grpSpPr>
       <p:sp>
         <p:nvSpPr>
-          <p:cNvPr id="254" name="Google Shape;254;p41"/>
+          <p:cNvPr id="251" name="Google Shape;251;p41"/>
           <p:cNvSpPr txBox="1"/>
           <p:nvPr>
             <p:ph type="ctrTitle"/>
@@ -15318,7 +15301,7 @@
       </p:sp>
       <p:pic>
         <p:nvPicPr>
-          <p:cNvPr id="255" name="Google Shape;255;p41"/>
+          <p:cNvPr id="252" name="Google Shape;252;p41"/>
           <p:cNvPicPr preferRelativeResize="0"/>
           <p:nvPr/>
         </p:nvPicPr>
@@ -15345,7 +15328,7 @@
       </p:pic>
       <p:sp>
         <p:nvSpPr>
-          <p:cNvPr id="256" name="Google Shape;256;p41"/>
+          <p:cNvPr id="253" name="Google Shape;253;p41"/>
           <p:cNvSpPr txBox="1"/>
           <p:nvPr/>
         </p:nvSpPr>
@@ -15960,7 +15943,7 @@
   <p:cSld>
     <p:spTree>
       <p:nvGrpSpPr>
-        <p:cNvPr id="260" name="Shape 260"/>
+        <p:cNvPr id="257" name="Shape 257"/>
         <p:cNvGrpSpPr/>
         <p:nvPr/>
       </p:nvGrpSpPr>
@@ -15974,7 +15957,7 @@
       </p:grpSpPr>
       <p:sp>
         <p:nvSpPr>
-          <p:cNvPr id="261" name="Google Shape;261;p42"/>
+          <p:cNvPr id="258" name="Google Shape;258;p42"/>
           <p:cNvSpPr txBox="1"/>
           <p:nvPr/>
         </p:nvSpPr>
@@ -16024,7 +16007,7 @@
       </p:sp>
       <p:sp>
         <p:nvSpPr>
-          <p:cNvPr id="262" name="Google Shape;262;p42"/>
+          <p:cNvPr id="259" name="Google Shape;259;p42"/>
           <p:cNvSpPr txBox="1"/>
           <p:nvPr/>
         </p:nvSpPr>
@@ -16194,7 +16177,7 @@
                   <a:schemeClr val="dk1"/>
                 </a:solidFill>
               </a:rPr>
-              <a:t>Difficult to audit changes over time</a:t>
+              <a:t>Difficult to audit access and changes over time</a:t>
             </a:r>
             <a:endParaRPr sz="2600">
               <a:solidFill>
@@ -16243,7 +16226,7 @@
                                           </p:stCondLst>
                                         </p:cTn>
                                         <p:tgtEl>
-                                          <p:spTgt spid="262"/>
+                                          <p:spTgt spid="259"/>
                                         </p:tgtEl>
                                         <p:attrNameLst>
                                           <p:attrName>style.visibility</p:attrName>
@@ -16257,7 +16240,7 @@
                                       <p:cBhvr>
                                         <p:cTn dur="400"/>
                                         <p:tgtEl>
-                                          <p:spTgt spid="262"/>
+                                          <p:spTgt spid="259"/>
                                         </p:tgtEl>
                                       </p:cBhvr>
                                     </p:animEffect>
@@ -16300,7 +16283,7 @@
   <p:cSld>
     <p:spTree>
       <p:nvGrpSpPr>
-        <p:cNvPr id="266" name="Shape 266"/>
+        <p:cNvPr id="263" name="Shape 263"/>
         <p:cNvGrpSpPr/>
         <p:nvPr/>
       </p:nvGrpSpPr>
@@ -16314,7 +16297,7 @@
       </p:grpSpPr>
       <p:sp>
         <p:nvSpPr>
-          <p:cNvPr id="267" name="Google Shape;267;p43"/>
+          <p:cNvPr id="264" name="Google Shape;264;p43"/>
           <p:cNvSpPr txBox="1"/>
           <p:nvPr/>
         </p:nvSpPr>
@@ -16352,7 +16335,15 @@
                   <a:schemeClr val="dk1"/>
                 </a:solidFill>
               </a:rPr>
-              <a:t>Jenkins Overview</a:t>
+              <a:t>Terraform</a:t>
+            </a:r>
+            <a:r>
+              <a:rPr b="1" lang="en" sz="3600">
+                <a:solidFill>
+                  <a:schemeClr val="dk1"/>
+                </a:solidFill>
+              </a:rPr>
+              <a:t> Overview</a:t>
             </a:r>
             <a:endParaRPr b="1" sz="3600">
               <a:solidFill>
@@ -16364,7 +16355,7 @@
       </p:sp>
       <p:sp>
         <p:nvSpPr>
-          <p:cNvPr id="268" name="Google Shape;268;p43"/>
+          <p:cNvPr id="265" name="Google Shape;265;p43"/>
           <p:cNvSpPr txBox="1"/>
           <p:nvPr/>
         </p:nvSpPr>
@@ -16409,7 +16400,23 @@
                   <a:schemeClr val="dk1"/>
                 </a:solidFill>
               </a:rPr>
-              <a:t>Open-source automation server used to automate parts of the SDLC</a:t>
+              <a:t>Infrastructure as code (IaC) tool that lets you define infrastructure resources in human-</a:t>
+            </a:r>
+            <a:r>
+              <a:rPr lang="en" sz="2600">
+                <a:solidFill>
+                  <a:schemeClr val="dk1"/>
+                </a:solidFill>
+              </a:rPr>
+              <a:t>readable</a:t>
+            </a:r>
+            <a:r>
+              <a:rPr lang="en" sz="2600">
+                <a:solidFill>
+                  <a:schemeClr val="dk1"/>
+                </a:solidFill>
+              </a:rPr>
+              <a:t> files</a:t>
             </a:r>
             <a:endParaRPr sz="2600">
               <a:solidFill>
@@ -16440,39 +16447,7 @@
                   <a:schemeClr val="dk1"/>
                 </a:solidFill>
               </a:rPr>
-              <a:t>It helps software teams </a:t>
-            </a:r>
-            <a:r>
-              <a:rPr lang="en" sz="2600">
-                <a:solidFill>
-                  <a:schemeClr val="dk1"/>
-                </a:solidFill>
-              </a:rPr>
-              <a:t>facilitate</a:t>
-            </a:r>
-            <a:r>
-              <a:rPr lang="en" sz="2600">
-                <a:solidFill>
-                  <a:schemeClr val="dk1"/>
-                </a:solidFill>
-              </a:rPr>
-              <a:t> Continuous Integration and </a:t>
-            </a:r>
-            <a:r>
-              <a:rPr lang="en" sz="2600">
-                <a:solidFill>
-                  <a:schemeClr val="dk1"/>
-                </a:solidFill>
-              </a:rPr>
-              <a:t>Continuous</a:t>
-            </a:r>
-            <a:r>
-              <a:rPr lang="en" sz="2600">
-                <a:solidFill>
-                  <a:schemeClr val="dk1"/>
-                </a:solidFill>
-              </a:rPr>
-              <a:t> Delivery (CI/CD)</a:t>
+              <a:t>Configuration files can be versioned, reused, and reshared</a:t>
             </a:r>
             <a:endParaRPr sz="2600">
               <a:solidFill>
@@ -16503,7 +16478,7 @@
                   <a:schemeClr val="dk1"/>
                 </a:solidFill>
               </a:rPr>
-              <a:t>Highly </a:t>
+              <a:t>Enables consistent working flow throughout infrastructure </a:t>
             </a:r>
             <a:r>
               <a:rPr lang="en" sz="2600">
@@ -16511,23 +16486,7 @@
                   <a:schemeClr val="dk1"/>
                 </a:solidFill>
               </a:rPr>
-              <a:t>customizable</a:t>
-            </a:r>
-            <a:r>
-              <a:rPr lang="en" sz="2600">
-                <a:solidFill>
-                  <a:schemeClr val="dk1"/>
-                </a:solidFill>
-              </a:rPr>
-              <a:t> with </a:t>
-            </a:r>
-            <a:r>
-              <a:rPr lang="en" sz="2600">
-                <a:solidFill>
-                  <a:schemeClr val="dk1"/>
-                </a:solidFill>
-              </a:rPr>
-              <a:t>hundreds of plugins available</a:t>
+              <a:t>lifecycle</a:t>
             </a:r>
             <a:endParaRPr sz="2600">
               <a:solidFill>
@@ -16550,7 +16509,7 @@
   <p:cSld>
     <p:spTree>
       <p:nvGrpSpPr>
-        <p:cNvPr id="272" name="Shape 272"/>
+        <p:cNvPr id="269" name="Shape 269"/>
         <p:cNvGrpSpPr/>
         <p:nvPr/>
       </p:nvGrpSpPr>
@@ -16564,14 +16523,14 @@
       </p:grpSpPr>
       <p:sp>
         <p:nvSpPr>
-          <p:cNvPr id="273" name="Google Shape;273;p44"/>
+          <p:cNvPr id="270" name="Google Shape;270;p44"/>
           <p:cNvSpPr txBox="1"/>
           <p:nvPr/>
         </p:nvSpPr>
         <p:spPr>
           <a:xfrm>
-            <a:off x="976500" y="149675"/>
-            <a:ext cx="7191000" cy="708000"/>
+            <a:off x="976500" y="105200"/>
+            <a:ext cx="7191000" cy="738900"/>
           </a:xfrm>
           <a:prstGeom prst="rect">
             <a:avLst/>
@@ -16597,14 +16556,14 @@
               <a:buNone/>
             </a:pPr>
             <a:r>
-              <a:rPr b="1" lang="en" sz="3400">
+              <a:rPr b="1" lang="en" sz="3600">
                 <a:solidFill>
                   <a:schemeClr val="dk1"/>
                 </a:solidFill>
               </a:rPr>
-              <a:t>Why do we need Jenkins?</a:t>
-            </a:r>
-            <a:endParaRPr b="1" sz="3400">
+              <a:t>Jenkins Overview</a:t>
+            </a:r>
+            <a:endParaRPr b="1" sz="3600">
               <a:solidFill>
                 <a:schemeClr val="dk1"/>
               </a:solidFill>
@@ -16614,13 +16573,13 @@
       </p:sp>
       <p:sp>
         <p:nvSpPr>
-          <p:cNvPr id="274" name="Google Shape;274;p44"/>
+          <p:cNvPr id="271" name="Google Shape;271;p44"/>
           <p:cNvSpPr txBox="1"/>
           <p:nvPr/>
         </p:nvSpPr>
         <p:spPr>
           <a:xfrm>
-            <a:off x="204450" y="945425"/>
+            <a:off x="222250" y="927625"/>
             <a:ext cx="8524200" cy="3586500"/>
           </a:xfrm>
           <a:prstGeom prst="rect">
@@ -16659,7 +16618,7 @@
                   <a:schemeClr val="dk1"/>
                 </a:solidFill>
               </a:rPr>
-              <a:t>Developers making code changes in parallel want to make sure that their code changes integrate without errors</a:t>
+              <a:t>Open-source automation server used to automate parts of the SDLC</a:t>
             </a:r>
             <a:endParaRPr sz="2600">
               <a:solidFill>
@@ -16690,7 +16649,7 @@
                   <a:schemeClr val="dk1"/>
                 </a:solidFill>
               </a:rPr>
-              <a:t>Manual integration testing is time-</a:t>
+              <a:t>It helps software teams </a:t>
             </a:r>
             <a:r>
               <a:rPr lang="en" sz="2600">
@@ -16698,7 +16657,7 @@
                   <a:schemeClr val="dk1"/>
                 </a:solidFill>
               </a:rPr>
-              <a:t>consuming</a:t>
+              <a:t>facilitate</a:t>
             </a:r>
             <a:r>
               <a:rPr lang="en" sz="2600">
@@ -16706,7 +16665,23 @@
                   <a:schemeClr val="dk1"/>
                 </a:solidFill>
               </a:rPr>
-              <a:t> and error-prone</a:t>
+              <a:t> Continuous Integration and </a:t>
+            </a:r>
+            <a:r>
+              <a:rPr lang="en" sz="2600">
+                <a:solidFill>
+                  <a:schemeClr val="dk1"/>
+                </a:solidFill>
+              </a:rPr>
+              <a:t>Continuous</a:t>
+            </a:r>
+            <a:r>
+              <a:rPr lang="en" sz="2600">
+                <a:solidFill>
+                  <a:schemeClr val="dk1"/>
+                </a:solidFill>
+              </a:rPr>
+              <a:t> Delivery (CI/CD)</a:t>
             </a:r>
             <a:endParaRPr sz="2600">
               <a:solidFill>
@@ -16737,7 +16712,31 @@
                   <a:schemeClr val="dk1"/>
                 </a:solidFill>
               </a:rPr>
-              <a:t>Build and test changes in standardized environment</a:t>
+              <a:t>Highly </a:t>
+            </a:r>
+            <a:r>
+              <a:rPr lang="en" sz="2600">
+                <a:solidFill>
+                  <a:schemeClr val="dk1"/>
+                </a:solidFill>
+              </a:rPr>
+              <a:t>customizable</a:t>
+            </a:r>
+            <a:r>
+              <a:rPr lang="en" sz="2600">
+                <a:solidFill>
+                  <a:schemeClr val="dk1"/>
+                </a:solidFill>
+              </a:rPr>
+              <a:t> with </a:t>
+            </a:r>
+            <a:r>
+              <a:rPr lang="en" sz="2600">
+                <a:solidFill>
+                  <a:schemeClr val="dk1"/>
+                </a:solidFill>
+              </a:rPr>
+              <a:t>hundreds of plugins available</a:t>
             </a:r>
             <a:endParaRPr sz="2600">
               <a:solidFill>
@@ -16760,7 +16759,217 @@
   <p:cSld>
     <p:spTree>
       <p:nvGrpSpPr>
-        <p:cNvPr id="278" name="Shape 278"/>
+        <p:cNvPr id="275" name="Shape 275"/>
+        <p:cNvGrpSpPr/>
+        <p:nvPr/>
+      </p:nvGrpSpPr>
+      <p:grpSpPr>
+        <a:xfrm>
+          <a:off x="0" y="0"/>
+          <a:ext cx="0" cy="0"/>
+          <a:chOff x="0" y="0"/>
+          <a:chExt cx="0" cy="0"/>
+        </a:xfrm>
+      </p:grpSpPr>
+      <p:sp>
+        <p:nvSpPr>
+          <p:cNvPr id="276" name="Google Shape;276;p45"/>
+          <p:cNvSpPr txBox="1"/>
+          <p:nvPr/>
+        </p:nvSpPr>
+        <p:spPr>
+          <a:xfrm>
+            <a:off x="976500" y="149675"/>
+            <a:ext cx="7191000" cy="708000"/>
+          </a:xfrm>
+          <a:prstGeom prst="rect">
+            <a:avLst/>
+          </a:prstGeom>
+          <a:noFill/>
+          <a:ln>
+            <a:noFill/>
+          </a:ln>
+        </p:spPr>
+        <p:txBody>
+          <a:bodyPr anchorCtr="0" anchor="t" bIns="91425" lIns="91425" spcFirstLastPara="1" rIns="91425" wrap="square" tIns="91425">
+            <a:spAutoFit/>
+          </a:bodyPr>
+          <a:lstStyle/>
+          <a:p>
+            <a:pPr indent="0" lvl="0" marL="0" rtl="0" algn="ctr">
+              <a:spcBef>
+                <a:spcPts val="0"/>
+              </a:spcBef>
+              <a:spcAft>
+                <a:spcPts val="0"/>
+              </a:spcAft>
+              <a:buNone/>
+            </a:pPr>
+            <a:r>
+              <a:rPr b="1" lang="en" sz="3400">
+                <a:solidFill>
+                  <a:schemeClr val="dk1"/>
+                </a:solidFill>
+              </a:rPr>
+              <a:t>Why do we need Jenkins?</a:t>
+            </a:r>
+            <a:endParaRPr b="1" sz="3400">
+              <a:solidFill>
+                <a:schemeClr val="dk1"/>
+              </a:solidFill>
+            </a:endParaRPr>
+          </a:p>
+        </p:txBody>
+      </p:sp>
+      <p:sp>
+        <p:nvSpPr>
+          <p:cNvPr id="277" name="Google Shape;277;p45"/>
+          <p:cNvSpPr txBox="1"/>
+          <p:nvPr/>
+        </p:nvSpPr>
+        <p:spPr>
+          <a:xfrm>
+            <a:off x="204450" y="945425"/>
+            <a:ext cx="8524200" cy="3586500"/>
+          </a:xfrm>
+          <a:prstGeom prst="rect">
+            <a:avLst/>
+          </a:prstGeom>
+          <a:noFill/>
+          <a:ln>
+            <a:noFill/>
+          </a:ln>
+        </p:spPr>
+        <p:txBody>
+          <a:bodyPr anchorCtr="0" anchor="t" bIns="91425" lIns="91425" spcFirstLastPara="1" rIns="91425" wrap="square" tIns="91425">
+            <a:spAutoFit/>
+          </a:bodyPr>
+          <a:lstStyle/>
+          <a:p>
+            <a:pPr indent="-393700" lvl="0" marL="457200" rtl="0" algn="l">
+              <a:lnSpc>
+                <a:spcPct val="150000"/>
+              </a:lnSpc>
+              <a:spcBef>
+                <a:spcPts val="0"/>
+              </a:spcBef>
+              <a:spcAft>
+                <a:spcPts val="0"/>
+              </a:spcAft>
+              <a:buClr>
+                <a:schemeClr val="dk1"/>
+              </a:buClr>
+              <a:buSzPts val="2600"/>
+              <a:buChar char="●"/>
+            </a:pPr>
+            <a:r>
+              <a:rPr lang="en" sz="2600">
+                <a:solidFill>
+                  <a:schemeClr val="dk1"/>
+                </a:solidFill>
+              </a:rPr>
+              <a:t>Developers making code changes in parallel want to make sure that their code changes integrate without errors</a:t>
+            </a:r>
+            <a:endParaRPr sz="2600">
+              <a:solidFill>
+                <a:schemeClr val="dk1"/>
+              </a:solidFill>
+            </a:endParaRPr>
+          </a:p>
+          <a:p>
+            <a:pPr indent="-393700" lvl="0" marL="457200" rtl="0" algn="l">
+              <a:lnSpc>
+                <a:spcPct val="150000"/>
+              </a:lnSpc>
+              <a:spcBef>
+                <a:spcPts val="0"/>
+              </a:spcBef>
+              <a:spcAft>
+                <a:spcPts val="0"/>
+              </a:spcAft>
+              <a:buClr>
+                <a:schemeClr val="dk1"/>
+              </a:buClr>
+              <a:buSzPts val="2600"/>
+              <a:buChar char="●"/>
+            </a:pPr>
+            <a:r>
+              <a:rPr lang="en" sz="2600">
+                <a:solidFill>
+                  <a:schemeClr val="dk1"/>
+                </a:solidFill>
+              </a:rPr>
+              <a:t>Manual integration testing is time-</a:t>
+            </a:r>
+            <a:r>
+              <a:rPr lang="en" sz="2600">
+                <a:solidFill>
+                  <a:schemeClr val="dk1"/>
+                </a:solidFill>
+              </a:rPr>
+              <a:t>consuming</a:t>
+            </a:r>
+            <a:r>
+              <a:rPr lang="en" sz="2600">
+                <a:solidFill>
+                  <a:schemeClr val="dk1"/>
+                </a:solidFill>
+              </a:rPr>
+              <a:t> and error-prone</a:t>
+            </a:r>
+            <a:endParaRPr sz="2600">
+              <a:solidFill>
+                <a:schemeClr val="dk1"/>
+              </a:solidFill>
+            </a:endParaRPr>
+          </a:p>
+          <a:p>
+            <a:pPr indent="-393700" lvl="0" marL="457200" rtl="0" algn="l">
+              <a:lnSpc>
+                <a:spcPct val="150000"/>
+              </a:lnSpc>
+              <a:spcBef>
+                <a:spcPts val="0"/>
+              </a:spcBef>
+              <a:spcAft>
+                <a:spcPts val="0"/>
+              </a:spcAft>
+              <a:buClr>
+                <a:schemeClr val="dk1"/>
+              </a:buClr>
+              <a:buSzPts val="2600"/>
+              <a:buChar char="●"/>
+            </a:pPr>
+            <a:r>
+              <a:rPr lang="en" sz="2600">
+                <a:solidFill>
+                  <a:schemeClr val="dk1"/>
+                </a:solidFill>
+              </a:rPr>
+              <a:t>Build and test changes in standardized environment</a:t>
+            </a:r>
+            <a:endParaRPr sz="2600">
+              <a:solidFill>
+                <a:schemeClr val="dk1"/>
+              </a:solidFill>
+            </a:endParaRPr>
+          </a:p>
+        </p:txBody>
+      </p:sp>
+    </p:spTree>
+  </p:cSld>
+  <p:clrMapOvr>
+    <a:masterClrMapping/>
+  </p:clrMapOvr>
+</p:sld>
+</file>
+
+<file path=ppt/slides/slide34.xml><?xml version="1.0" encoding="utf-8"?>
+<p:sld xmlns:a="http://schemas.openxmlformats.org/drawingml/2006/main" xmlns:r="http://schemas.openxmlformats.org/officeDocument/2006/relationships" xmlns:mc="http://schemas.openxmlformats.org/markup-compatibility/2006" xmlns:mv="urn:schemas-microsoft-com:mac:vml" xmlns:p="http://schemas.openxmlformats.org/presentationml/2006/main" xmlns:c="http://schemas.openxmlformats.org/drawingml/2006/chart" xmlns:dgm="http://schemas.openxmlformats.org/drawingml/2006/diagram" xmlns:o="urn:schemas-microsoft-com:office:office" xmlns:v="urn:schemas-microsoft-com:vml" xmlns:pvml="urn:schemas-microsoft-com:office:powerpoint" xmlns:com="http://schemas.openxmlformats.org/drawingml/2006/compatibility" xmlns:p14="http://schemas.microsoft.com/office/powerpoint/2010/main" xmlns:p15="http://schemas.microsoft.com/office/powerpoint/2012/main" xmlns:ahyp="http://schemas.microsoft.com/office/drawing/2018/hyperlinkcolor">
+  <p:cSld>
+    <p:spTree>
+      <p:nvGrpSpPr>
+        <p:cNvPr id="281" name="Shape 281"/>
         <p:cNvGrpSpPr/>
         <p:nvPr/>
       </p:nvGrpSpPr>
@@ -16774,7 +16983,7 @@
       </p:grpSpPr>
       <p:pic>
         <p:nvPicPr>
-          <p:cNvPr id="279" name="Google Shape;279;p45"/>
+          <p:cNvPr id="282" name="Google Shape;282;p46"/>
           <p:cNvPicPr preferRelativeResize="0"/>
           <p:nvPr/>
         </p:nvPicPr>
@@ -16808,12 +17017,12 @@
 </p:sld>
 </file>
 
-<file path=ppt/slides/slide34.xml><?xml version="1.0" encoding="utf-8"?>
+<file path=ppt/slides/slide35.xml><?xml version="1.0" encoding="utf-8"?>
 <p:sld xmlns:a="http://schemas.openxmlformats.org/drawingml/2006/main" xmlns:r="http://schemas.openxmlformats.org/officeDocument/2006/relationships" xmlns:mc="http://schemas.openxmlformats.org/markup-compatibility/2006" xmlns:mv="urn:schemas-microsoft-com:mac:vml" xmlns:p="http://schemas.openxmlformats.org/presentationml/2006/main" xmlns:c="http://schemas.openxmlformats.org/drawingml/2006/chart" xmlns:dgm="http://schemas.openxmlformats.org/drawingml/2006/diagram" xmlns:o="urn:schemas-microsoft-com:office:office" xmlns:v="urn:schemas-microsoft-com:vml" xmlns:pvml="urn:schemas-microsoft-com:office:powerpoint" xmlns:com="http://schemas.openxmlformats.org/drawingml/2006/compatibility" xmlns:p14="http://schemas.microsoft.com/office/powerpoint/2010/main" xmlns:p15="http://schemas.microsoft.com/office/powerpoint/2012/main" xmlns:ahyp="http://schemas.microsoft.com/office/drawing/2018/hyperlinkcolor">
   <p:cSld>
     <p:spTree>
       <p:nvGrpSpPr>
-        <p:cNvPr id="283" name="Shape 283"/>
+        <p:cNvPr id="286" name="Shape 286"/>
         <p:cNvGrpSpPr/>
         <p:nvPr/>
       </p:nvGrpSpPr>
@@ -16827,7 +17036,7 @@
       </p:grpSpPr>
       <p:sp>
         <p:nvSpPr>
-          <p:cNvPr id="284" name="Google Shape;284;p46"/>
+          <p:cNvPr id="287" name="Google Shape;287;p47"/>
           <p:cNvSpPr txBox="1"/>
           <p:nvPr>
             <p:ph type="ctrTitle"/>
@@ -16870,7 +17079,7 @@
       </p:sp>
       <p:pic>
         <p:nvPicPr>
-          <p:cNvPr id="285" name="Google Shape;285;p46"/>
+          <p:cNvPr id="288" name="Google Shape;288;p47"/>
           <p:cNvPicPr preferRelativeResize="0"/>
           <p:nvPr/>
         </p:nvPicPr>
@@ -16896,45 +17105,6 @@
           </a:ln>
         </p:spPr>
       </p:pic>
-      <p:sp>
-        <p:nvSpPr>
-          <p:cNvPr id="286" name="Google Shape;286;p46"/>
-          <p:cNvSpPr txBox="1"/>
-          <p:nvPr>
-            <p:ph idx="1" type="subTitle"/>
-          </p:nvPr>
-        </p:nvSpPr>
-        <p:spPr>
-          <a:xfrm>
-            <a:off x="671250" y="3174876"/>
-            <a:ext cx="7801500" cy="792600"/>
-          </a:xfrm>
-          <a:prstGeom prst="rect">
-            <a:avLst/>
-          </a:prstGeom>
-        </p:spPr>
-        <p:txBody>
-          <a:bodyPr anchorCtr="0" anchor="t" bIns="91425" lIns="91425" spcFirstLastPara="1" rIns="91425" wrap="square" tIns="91425">
-            <a:normAutofit/>
-          </a:bodyPr>
-          <a:lstStyle/>
-          <a:p>
-            <a:pPr indent="0" lvl="0" marL="0" rtl="0" algn="ctr">
-              <a:spcBef>
-                <a:spcPts val="0"/>
-              </a:spcBef>
-              <a:spcAft>
-                <a:spcPts val="0"/>
-              </a:spcAft>
-              <a:buNone/>
-            </a:pPr>
-            <a:r>
-              <a:t/>
-            </a:r>
-            <a:endParaRPr/>
-          </a:p>
-        </p:txBody>
-      </p:sp>
     </p:spTree>
   </p:cSld>
   <p:clrMapOvr>
@@ -16943,12 +17113,12 @@
 </p:sld>
 </file>
 
-<file path=ppt/slides/slide35.xml><?xml version="1.0" encoding="utf-8"?>
+<file path=ppt/slides/slide36.xml><?xml version="1.0" encoding="utf-8"?>
 <p:sld xmlns:a="http://schemas.openxmlformats.org/drawingml/2006/main" xmlns:r="http://schemas.openxmlformats.org/officeDocument/2006/relationships" xmlns:mc="http://schemas.openxmlformats.org/markup-compatibility/2006" xmlns:mv="urn:schemas-microsoft-com:mac:vml" xmlns:p="http://schemas.openxmlformats.org/presentationml/2006/main" xmlns:c="http://schemas.openxmlformats.org/drawingml/2006/chart" xmlns:dgm="http://schemas.openxmlformats.org/drawingml/2006/diagram" xmlns:o="urn:schemas-microsoft-com:office:office" xmlns:v="urn:schemas-microsoft-com:vml" xmlns:pvml="urn:schemas-microsoft-com:office:powerpoint" xmlns:com="http://schemas.openxmlformats.org/drawingml/2006/compatibility" xmlns:p14="http://schemas.microsoft.com/office/powerpoint/2010/main" xmlns:p15="http://schemas.microsoft.com/office/powerpoint/2012/main" xmlns:ahyp="http://schemas.microsoft.com/office/drawing/2018/hyperlinkcolor">
   <p:cSld>
     <p:spTree>
       <p:nvGrpSpPr>
-        <p:cNvPr id="290" name="Shape 290"/>
+        <p:cNvPr id="292" name="Shape 292"/>
         <p:cNvGrpSpPr/>
         <p:nvPr/>
       </p:nvGrpSpPr>
@@ -16962,7 +17132,7 @@
       </p:grpSpPr>
       <p:sp>
         <p:nvSpPr>
-          <p:cNvPr id="291" name="Google Shape;291;p47"/>
+          <p:cNvPr id="293" name="Google Shape;293;p48"/>
           <p:cNvSpPr txBox="1"/>
           <p:nvPr>
             <p:ph type="ctrTitle"/>
@@ -17005,7 +17175,7 @@
       </p:sp>
       <p:sp>
         <p:nvSpPr>
-          <p:cNvPr id="292" name="Google Shape;292;p47"/>
+          <p:cNvPr id="294" name="Google Shape;294;p48"/>
           <p:cNvSpPr txBox="1"/>
           <p:nvPr/>
         </p:nvSpPr>
@@ -17199,489 +17369,6 @@
                 </a:solidFill>
               </a:rPr>
               <a:t>Use policy-based automation wherever possible</a:t>
-            </a:r>
-            <a:endParaRPr>
-              <a:solidFill>
-                <a:schemeClr val="dk1"/>
-              </a:solidFill>
-            </a:endParaRPr>
-          </a:p>
-        </p:txBody>
-      </p:sp>
-    </p:spTree>
-  </p:cSld>
-  <p:clrMapOvr>
-    <a:masterClrMapping/>
-  </p:clrMapOvr>
-</p:sld>
-</file>
-
-<file path=ppt/slides/slide36.xml><?xml version="1.0" encoding="utf-8"?>
-<p:sld xmlns:a="http://schemas.openxmlformats.org/drawingml/2006/main" xmlns:r="http://schemas.openxmlformats.org/officeDocument/2006/relationships" xmlns:mc="http://schemas.openxmlformats.org/markup-compatibility/2006" xmlns:mv="urn:schemas-microsoft-com:mac:vml" xmlns:p="http://schemas.openxmlformats.org/presentationml/2006/main" xmlns:c="http://schemas.openxmlformats.org/drawingml/2006/chart" xmlns:dgm="http://schemas.openxmlformats.org/drawingml/2006/diagram" xmlns:o="urn:schemas-microsoft-com:office:office" xmlns:v="urn:schemas-microsoft-com:vml" xmlns:pvml="urn:schemas-microsoft-com:office:powerpoint" xmlns:com="http://schemas.openxmlformats.org/drawingml/2006/compatibility" xmlns:p14="http://schemas.microsoft.com/office/powerpoint/2010/main" xmlns:p15="http://schemas.microsoft.com/office/powerpoint/2012/main" xmlns:ahyp="http://schemas.microsoft.com/office/drawing/2018/hyperlinkcolor">
-  <p:cSld>
-    <p:spTree>
-      <p:nvGrpSpPr>
-        <p:cNvPr id="296" name="Shape 296"/>
-        <p:cNvGrpSpPr/>
-        <p:nvPr/>
-      </p:nvGrpSpPr>
-      <p:grpSpPr>
-        <a:xfrm>
-          <a:off x="0" y="0"/>
-          <a:ext cx="0" cy="0"/>
-          <a:chOff x="0" y="0"/>
-          <a:chExt cx="0" cy="0"/>
-        </a:xfrm>
-      </p:grpSpPr>
-      <p:sp>
-        <p:nvSpPr>
-          <p:cNvPr id="297" name="Google Shape;297;p48"/>
-          <p:cNvSpPr txBox="1"/>
-          <p:nvPr>
-            <p:ph type="ctrTitle"/>
-          </p:nvPr>
-        </p:nvSpPr>
-        <p:spPr>
-          <a:xfrm>
-            <a:off x="564450" y="-44525"/>
-            <a:ext cx="7801500" cy="879000"/>
-          </a:xfrm>
-          <a:prstGeom prst="rect">
-            <a:avLst/>
-          </a:prstGeom>
-        </p:spPr>
-        <p:txBody>
-          <a:bodyPr anchorCtr="0" anchor="b" bIns="91425" lIns="91425" spcFirstLastPara="1" rIns="91425" wrap="square" tIns="91425">
-            <a:normAutofit fontScale="90000"/>
-          </a:bodyPr>
-          <a:lstStyle/>
-          <a:p>
-            <a:pPr indent="0" lvl="0" marL="0" rtl="0" algn="ctr">
-              <a:lnSpc>
-                <a:spcPct val="150000"/>
-              </a:lnSpc>
-              <a:spcBef>
-                <a:spcPts val="0"/>
-              </a:spcBef>
-              <a:spcAft>
-                <a:spcPts val="1200"/>
-              </a:spcAft>
-              <a:buNone/>
-            </a:pPr>
-            <a:r>
-              <a:rPr b="1" lang="en" sz="4900"/>
-              <a:t>Resources</a:t>
-            </a:r>
-            <a:endParaRPr b="1" sz="4900"/>
-          </a:p>
-        </p:txBody>
-      </p:sp>
-      <p:sp>
-        <p:nvSpPr>
-          <p:cNvPr id="298" name="Google Shape;298;p48"/>
-          <p:cNvSpPr txBox="1"/>
-          <p:nvPr/>
-        </p:nvSpPr>
-        <p:spPr>
-          <a:xfrm>
-            <a:off x="-37650" y="744075"/>
-            <a:ext cx="9005700" cy="4125000"/>
-          </a:xfrm>
-          <a:prstGeom prst="rect">
-            <a:avLst/>
-          </a:prstGeom>
-          <a:noFill/>
-          <a:ln>
-            <a:noFill/>
-          </a:ln>
-        </p:spPr>
-        <p:txBody>
-          <a:bodyPr anchorCtr="0" anchor="t" bIns="91425" lIns="91425" spcFirstLastPara="1" rIns="91425" wrap="square" tIns="91425">
-            <a:spAutoFit/>
-          </a:bodyPr>
-          <a:lstStyle/>
-          <a:p>
-            <a:pPr indent="-330200" lvl="0" marL="457200" rtl="0" algn="l">
-              <a:lnSpc>
-                <a:spcPct val="150000"/>
-              </a:lnSpc>
-              <a:spcBef>
-                <a:spcPts val="0"/>
-              </a:spcBef>
-              <a:spcAft>
-                <a:spcPts val="0"/>
-              </a:spcAft>
-              <a:buClr>
-                <a:schemeClr val="dk1"/>
-              </a:buClr>
-              <a:buSzPts val="1600"/>
-              <a:buChar char="●"/>
-            </a:pPr>
-            <a:r>
-              <a:rPr b="1" lang="en" sz="1600">
-                <a:solidFill>
-                  <a:schemeClr val="dk1"/>
-                </a:solidFill>
-              </a:rPr>
-              <a:t>Rhino Labs</a:t>
-            </a:r>
-            <a:r>
-              <a:rPr lang="en" sz="1600">
-                <a:solidFill>
-                  <a:schemeClr val="dk1"/>
-                </a:solidFill>
-              </a:rPr>
-              <a:t>: Pentesting Reports and tools including: Cloudgoat, Pacu, </a:t>
-            </a:r>
-            <a:r>
-              <a:rPr lang="en" sz="1600">
-                <a:solidFill>
-                  <a:schemeClr val="dk1"/>
-                </a:solidFill>
-              </a:rPr>
-              <a:t>CloudScraper</a:t>
-            </a:r>
-            <a:r>
-              <a:rPr lang="en" sz="1600">
-                <a:solidFill>
-                  <a:schemeClr val="dk1"/>
-                </a:solidFill>
-              </a:rPr>
-              <a:t>, CCAT</a:t>
-            </a:r>
-            <a:endParaRPr sz="1600">
-              <a:solidFill>
-                <a:schemeClr val="dk1"/>
-              </a:solidFill>
-            </a:endParaRPr>
-          </a:p>
-          <a:p>
-            <a:pPr indent="-330200" lvl="1" marL="914400" rtl="0" algn="l">
-              <a:lnSpc>
-                <a:spcPct val="150000"/>
-              </a:lnSpc>
-              <a:spcBef>
-                <a:spcPts val="0"/>
-              </a:spcBef>
-              <a:spcAft>
-                <a:spcPts val="0"/>
-              </a:spcAft>
-              <a:buClr>
-                <a:schemeClr val="dk1"/>
-              </a:buClr>
-              <a:buSzPts val="1600"/>
-              <a:buChar char="○"/>
-            </a:pPr>
-            <a:r>
-              <a:rPr lang="en" sz="1600">
-                <a:solidFill>
-                  <a:schemeClr val="dk1"/>
-                </a:solidFill>
-              </a:rPr>
-              <a:t>https://rhinosecuritylabs.com/resources/</a:t>
-            </a:r>
-            <a:endParaRPr sz="1600">
-              <a:solidFill>
-                <a:schemeClr val="dk1"/>
-              </a:solidFill>
-            </a:endParaRPr>
-          </a:p>
-          <a:p>
-            <a:pPr indent="-330200" lvl="1" marL="914400" rtl="0" algn="l">
-              <a:lnSpc>
-                <a:spcPct val="150000"/>
-              </a:lnSpc>
-              <a:spcBef>
-                <a:spcPts val="0"/>
-              </a:spcBef>
-              <a:spcAft>
-                <a:spcPts val="0"/>
-              </a:spcAft>
-              <a:buClr>
-                <a:schemeClr val="dk1"/>
-              </a:buClr>
-              <a:buSzPts val="1600"/>
-              <a:buChar char="○"/>
-            </a:pPr>
-            <a:r>
-              <a:rPr lang="en" sz="1600">
-                <a:solidFill>
-                  <a:schemeClr val="dk1"/>
-                </a:solidFill>
-              </a:rPr>
-              <a:t>https://github.com/RhinoSecurityLabs</a:t>
-            </a:r>
-            <a:endParaRPr sz="1600">
-              <a:solidFill>
-                <a:schemeClr val="dk1"/>
-              </a:solidFill>
-            </a:endParaRPr>
-          </a:p>
-          <a:p>
-            <a:pPr indent="-330200" lvl="0" marL="457200" rtl="0" algn="l">
-              <a:lnSpc>
-                <a:spcPct val="150000"/>
-              </a:lnSpc>
-              <a:spcBef>
-                <a:spcPts val="0"/>
-              </a:spcBef>
-              <a:spcAft>
-                <a:spcPts val="0"/>
-              </a:spcAft>
-              <a:buClr>
-                <a:schemeClr val="dk1"/>
-              </a:buClr>
-              <a:buSzPts val="1600"/>
-              <a:buChar char="●"/>
-            </a:pPr>
-            <a:r>
-              <a:rPr b="1" lang="en" sz="1600">
-                <a:solidFill>
-                  <a:schemeClr val="dk1"/>
-                </a:solidFill>
-              </a:rPr>
-              <a:t>Summit Route</a:t>
-            </a:r>
-            <a:r>
-              <a:rPr lang="en" sz="1600">
-                <a:solidFill>
-                  <a:schemeClr val="dk1"/>
-                </a:solidFill>
-              </a:rPr>
-              <a:t>: AWS Security Maturity Roadmap 2021, CTF for common AWS mistakes</a:t>
-            </a:r>
-            <a:endParaRPr sz="1600">
-              <a:solidFill>
-                <a:schemeClr val="dk1"/>
-              </a:solidFill>
-            </a:endParaRPr>
-          </a:p>
-          <a:p>
-            <a:pPr indent="-330200" lvl="1" marL="914400" rtl="0" algn="l">
-              <a:lnSpc>
-                <a:spcPct val="150000"/>
-              </a:lnSpc>
-              <a:spcBef>
-                <a:spcPts val="0"/>
-              </a:spcBef>
-              <a:spcAft>
-                <a:spcPts val="0"/>
-              </a:spcAft>
-              <a:buClr>
-                <a:schemeClr val="dk1"/>
-              </a:buClr>
-              <a:buSzPts val="1600"/>
-              <a:buChar char="○"/>
-            </a:pPr>
-            <a:r>
-              <a:rPr lang="en" sz="1600">
-                <a:solidFill>
-                  <a:schemeClr val="dk1"/>
-                </a:solidFill>
-              </a:rPr>
-              <a:t>https://summitroute.com/blog/2021/01/12/2021_aws_security_maturity_roadmap_2021/</a:t>
-            </a:r>
-            <a:endParaRPr sz="1600">
-              <a:solidFill>
-                <a:schemeClr val="dk1"/>
-              </a:solidFill>
-            </a:endParaRPr>
-          </a:p>
-          <a:p>
-            <a:pPr indent="-330200" lvl="1" marL="914400" rtl="0" algn="l">
-              <a:lnSpc>
-                <a:spcPct val="150000"/>
-              </a:lnSpc>
-              <a:spcBef>
-                <a:spcPts val="0"/>
-              </a:spcBef>
-              <a:spcAft>
-                <a:spcPts val="0"/>
-              </a:spcAft>
-              <a:buClr>
-                <a:schemeClr val="dk1"/>
-              </a:buClr>
-              <a:buSzPts val="1600"/>
-              <a:buChar char="○"/>
-            </a:pPr>
-            <a:r>
-              <a:rPr lang="en" sz="1600">
-                <a:solidFill>
-                  <a:schemeClr val="dk1"/>
-                </a:solidFill>
-              </a:rPr>
-              <a:t>http://flaws.cloud/</a:t>
-            </a:r>
-            <a:endParaRPr sz="1600">
-              <a:solidFill>
-                <a:schemeClr val="dk1"/>
-              </a:solidFill>
-            </a:endParaRPr>
-          </a:p>
-          <a:p>
-            <a:pPr indent="-330200" lvl="1" marL="914400" rtl="0" algn="l">
-              <a:lnSpc>
-                <a:spcPct val="150000"/>
-              </a:lnSpc>
-              <a:spcBef>
-                <a:spcPts val="0"/>
-              </a:spcBef>
-              <a:spcAft>
-                <a:spcPts val="0"/>
-              </a:spcAft>
-              <a:buClr>
-                <a:schemeClr val="dk1"/>
-              </a:buClr>
-              <a:buSzPts val="1600"/>
-              <a:buChar char="○"/>
-            </a:pPr>
-            <a:r>
-              <a:rPr lang="en" sz="1600">
-                <a:solidFill>
-                  <a:schemeClr val="dk1"/>
-                </a:solidFill>
-              </a:rPr>
-              <a:t>http://flaws2.cloud/</a:t>
-            </a:r>
-            <a:endParaRPr sz="1600">
-              <a:solidFill>
-                <a:schemeClr val="dk1"/>
-              </a:solidFill>
-            </a:endParaRPr>
-          </a:p>
-          <a:p>
-            <a:pPr indent="-330200" lvl="0" marL="457200" rtl="0" algn="l">
-              <a:lnSpc>
-                <a:spcPct val="150000"/>
-              </a:lnSpc>
-              <a:spcBef>
-                <a:spcPts val="0"/>
-              </a:spcBef>
-              <a:spcAft>
-                <a:spcPts val="0"/>
-              </a:spcAft>
-              <a:buClr>
-                <a:schemeClr val="dk1"/>
-              </a:buClr>
-              <a:buSzPts val="1600"/>
-              <a:buChar char="●"/>
-            </a:pPr>
-            <a:r>
-              <a:rPr b="1" lang="en" sz="1600">
-                <a:solidFill>
-                  <a:schemeClr val="dk1"/>
-                </a:solidFill>
-              </a:rPr>
-              <a:t>Fugue:</a:t>
-            </a:r>
-            <a:r>
-              <a:rPr lang="en" sz="1600">
-                <a:solidFill>
-                  <a:schemeClr val="dk1"/>
-                </a:solidFill>
-              </a:rPr>
-              <a:t> Engineer’s Primer on Cloud Security, State of Cloud Security 2021</a:t>
-            </a:r>
-            <a:endParaRPr sz="1600">
-              <a:solidFill>
-                <a:schemeClr val="dk1"/>
-              </a:solidFill>
-            </a:endParaRPr>
-          </a:p>
-          <a:p>
-            <a:pPr indent="-330200" lvl="1" marL="914400" rtl="0" algn="l">
-              <a:lnSpc>
-                <a:spcPct val="150000"/>
-              </a:lnSpc>
-              <a:spcBef>
-                <a:spcPts val="0"/>
-              </a:spcBef>
-              <a:spcAft>
-                <a:spcPts val="0"/>
-              </a:spcAft>
-              <a:buClr>
-                <a:schemeClr val="dk1"/>
-              </a:buClr>
-              <a:buSzPts val="1600"/>
-              <a:buChar char="○"/>
-            </a:pPr>
-            <a:r>
-              <a:rPr lang="en" sz="1600">
-                <a:solidFill>
-                  <a:schemeClr val="dk1"/>
-                </a:solidFill>
-              </a:rPr>
-              <a:t>https://www.fugue.co/resources-library#section-whitepapers-&amp;-reports</a:t>
-            </a:r>
-            <a:endParaRPr sz="1600">
-              <a:solidFill>
-                <a:schemeClr val="dk1"/>
-              </a:solidFill>
-            </a:endParaRPr>
-          </a:p>
-          <a:p>
-            <a:pPr indent="-330200" lvl="0" marL="457200" rtl="0" algn="l">
-              <a:lnSpc>
-                <a:spcPct val="150000"/>
-              </a:lnSpc>
-              <a:spcBef>
-                <a:spcPts val="0"/>
-              </a:spcBef>
-              <a:spcAft>
-                <a:spcPts val="0"/>
-              </a:spcAft>
-              <a:buClr>
-                <a:schemeClr val="dk1"/>
-              </a:buClr>
-              <a:buSzPts val="1600"/>
-              <a:buChar char="●"/>
-            </a:pPr>
-            <a:r>
-              <a:rPr b="1" lang="en" sz="1600">
-                <a:solidFill>
-                  <a:schemeClr val="dk1"/>
-                </a:solidFill>
-              </a:rPr>
-              <a:t>Cloud Security Alliance</a:t>
-            </a:r>
-            <a:r>
-              <a:rPr lang="en" sz="1600">
-                <a:solidFill>
-                  <a:schemeClr val="dk1"/>
-                </a:solidFill>
-              </a:rPr>
-              <a:t>: Security Guidance for Critical areas of Focus in Cloud Computing</a:t>
-            </a:r>
-            <a:endParaRPr sz="1600">
-              <a:solidFill>
-                <a:schemeClr val="dk1"/>
-              </a:solidFill>
-            </a:endParaRPr>
-          </a:p>
-          <a:p>
-            <a:pPr indent="-330200" lvl="1" marL="914400" rtl="0" algn="l">
-              <a:lnSpc>
-                <a:spcPct val="150000"/>
-              </a:lnSpc>
-              <a:spcBef>
-                <a:spcPts val="0"/>
-              </a:spcBef>
-              <a:spcAft>
-                <a:spcPts val="0"/>
-              </a:spcAft>
-              <a:buClr>
-                <a:schemeClr val="dk1"/>
-              </a:buClr>
-              <a:buSzPts val="1600"/>
-              <a:buChar char="○"/>
-            </a:pPr>
-            <a:r>
-              <a:rPr lang="en" sz="1600">
-                <a:solidFill>
-                  <a:schemeClr val="dk1"/>
-                </a:solidFill>
-              </a:rPr>
-              <a:t>https://cloudsecurityalliance.org/research/guidance</a:t>
             </a:r>
             <a:endParaRPr>
               <a:solidFill>
@@ -17704,7 +17391,7 @@
   <p:cSld>
     <p:spTree>
       <p:nvGrpSpPr>
-        <p:cNvPr id="302" name="Shape 302"/>
+        <p:cNvPr id="298" name="Shape 298"/>
         <p:cNvGrpSpPr/>
         <p:nvPr/>
       </p:nvGrpSpPr>
@@ -17718,7 +17405,490 @@
       </p:grpSpPr>
       <p:sp>
         <p:nvSpPr>
-          <p:cNvPr id="303" name="Google Shape;303;p49"/>
+          <p:cNvPr id="299" name="Google Shape;299;p49"/>
+          <p:cNvSpPr txBox="1"/>
+          <p:nvPr>
+            <p:ph type="ctrTitle"/>
+          </p:nvPr>
+        </p:nvSpPr>
+        <p:spPr>
+          <a:xfrm>
+            <a:off x="564450" y="-44525"/>
+            <a:ext cx="7801500" cy="879000"/>
+          </a:xfrm>
+          <a:prstGeom prst="rect">
+            <a:avLst/>
+          </a:prstGeom>
+        </p:spPr>
+        <p:txBody>
+          <a:bodyPr anchorCtr="0" anchor="b" bIns="91425" lIns="91425" spcFirstLastPara="1" rIns="91425" wrap="square" tIns="91425">
+            <a:normAutofit fontScale="90000"/>
+          </a:bodyPr>
+          <a:lstStyle/>
+          <a:p>
+            <a:pPr indent="0" lvl="0" marL="0" rtl="0" algn="ctr">
+              <a:lnSpc>
+                <a:spcPct val="150000"/>
+              </a:lnSpc>
+              <a:spcBef>
+                <a:spcPts val="0"/>
+              </a:spcBef>
+              <a:spcAft>
+                <a:spcPts val="1200"/>
+              </a:spcAft>
+              <a:buNone/>
+            </a:pPr>
+            <a:r>
+              <a:rPr b="1" lang="en" sz="4900"/>
+              <a:t>Resources</a:t>
+            </a:r>
+            <a:endParaRPr b="1" sz="4900"/>
+          </a:p>
+        </p:txBody>
+      </p:sp>
+      <p:sp>
+        <p:nvSpPr>
+          <p:cNvPr id="300" name="Google Shape;300;p49"/>
+          <p:cNvSpPr txBox="1"/>
+          <p:nvPr/>
+        </p:nvSpPr>
+        <p:spPr>
+          <a:xfrm>
+            <a:off x="-37650" y="744075"/>
+            <a:ext cx="9005700" cy="4125000"/>
+          </a:xfrm>
+          <a:prstGeom prst="rect">
+            <a:avLst/>
+          </a:prstGeom>
+          <a:noFill/>
+          <a:ln>
+            <a:noFill/>
+          </a:ln>
+        </p:spPr>
+        <p:txBody>
+          <a:bodyPr anchorCtr="0" anchor="t" bIns="91425" lIns="91425" spcFirstLastPara="1" rIns="91425" wrap="square" tIns="91425">
+            <a:spAutoFit/>
+          </a:bodyPr>
+          <a:lstStyle/>
+          <a:p>
+            <a:pPr indent="-330200" lvl="0" marL="457200" rtl="0" algn="l">
+              <a:lnSpc>
+                <a:spcPct val="150000"/>
+              </a:lnSpc>
+              <a:spcBef>
+                <a:spcPts val="0"/>
+              </a:spcBef>
+              <a:spcAft>
+                <a:spcPts val="0"/>
+              </a:spcAft>
+              <a:buClr>
+                <a:schemeClr val="dk1"/>
+              </a:buClr>
+              <a:buSzPts val="1600"/>
+              <a:buChar char="●"/>
+            </a:pPr>
+            <a:r>
+              <a:rPr b="1" lang="en" sz="1600">
+                <a:solidFill>
+                  <a:schemeClr val="dk1"/>
+                </a:solidFill>
+              </a:rPr>
+              <a:t>Rhino Labs</a:t>
+            </a:r>
+            <a:r>
+              <a:rPr lang="en" sz="1600">
+                <a:solidFill>
+                  <a:schemeClr val="dk1"/>
+                </a:solidFill>
+              </a:rPr>
+              <a:t>: Pentesting Reports and tools including: Cloudgoat, Pacu, </a:t>
+            </a:r>
+            <a:r>
+              <a:rPr lang="en" sz="1600">
+                <a:solidFill>
+                  <a:schemeClr val="dk1"/>
+                </a:solidFill>
+              </a:rPr>
+              <a:t>CloudScraper</a:t>
+            </a:r>
+            <a:r>
+              <a:rPr lang="en" sz="1600">
+                <a:solidFill>
+                  <a:schemeClr val="dk1"/>
+                </a:solidFill>
+              </a:rPr>
+              <a:t>, CCAT</a:t>
+            </a:r>
+            <a:endParaRPr sz="1600">
+              <a:solidFill>
+                <a:schemeClr val="dk1"/>
+              </a:solidFill>
+            </a:endParaRPr>
+          </a:p>
+          <a:p>
+            <a:pPr indent="-330200" lvl="1" marL="914400" rtl="0" algn="l">
+              <a:lnSpc>
+                <a:spcPct val="150000"/>
+              </a:lnSpc>
+              <a:spcBef>
+                <a:spcPts val="0"/>
+              </a:spcBef>
+              <a:spcAft>
+                <a:spcPts val="0"/>
+              </a:spcAft>
+              <a:buClr>
+                <a:schemeClr val="dk1"/>
+              </a:buClr>
+              <a:buSzPts val="1600"/>
+              <a:buChar char="○"/>
+            </a:pPr>
+            <a:r>
+              <a:rPr lang="en" sz="1600">
+                <a:solidFill>
+                  <a:schemeClr val="dk1"/>
+                </a:solidFill>
+              </a:rPr>
+              <a:t>https://rhinosecuritylabs.com/resources/</a:t>
+            </a:r>
+            <a:endParaRPr sz="1600">
+              <a:solidFill>
+                <a:schemeClr val="dk1"/>
+              </a:solidFill>
+            </a:endParaRPr>
+          </a:p>
+          <a:p>
+            <a:pPr indent="-330200" lvl="1" marL="914400" rtl="0" algn="l">
+              <a:lnSpc>
+                <a:spcPct val="150000"/>
+              </a:lnSpc>
+              <a:spcBef>
+                <a:spcPts val="0"/>
+              </a:spcBef>
+              <a:spcAft>
+                <a:spcPts val="0"/>
+              </a:spcAft>
+              <a:buClr>
+                <a:schemeClr val="dk1"/>
+              </a:buClr>
+              <a:buSzPts val="1600"/>
+              <a:buChar char="○"/>
+            </a:pPr>
+            <a:r>
+              <a:rPr lang="en" sz="1600">
+                <a:solidFill>
+                  <a:schemeClr val="dk1"/>
+                </a:solidFill>
+              </a:rPr>
+              <a:t>https://github.com/RhinoSecurityLabs</a:t>
+            </a:r>
+            <a:endParaRPr sz="1600">
+              <a:solidFill>
+                <a:schemeClr val="dk1"/>
+              </a:solidFill>
+            </a:endParaRPr>
+          </a:p>
+          <a:p>
+            <a:pPr indent="-330200" lvl="0" marL="457200" rtl="0" algn="l">
+              <a:lnSpc>
+                <a:spcPct val="150000"/>
+              </a:lnSpc>
+              <a:spcBef>
+                <a:spcPts val="0"/>
+              </a:spcBef>
+              <a:spcAft>
+                <a:spcPts val="0"/>
+              </a:spcAft>
+              <a:buClr>
+                <a:schemeClr val="dk1"/>
+              </a:buClr>
+              <a:buSzPts val="1600"/>
+              <a:buChar char="●"/>
+            </a:pPr>
+            <a:r>
+              <a:rPr b="1" lang="en" sz="1600">
+                <a:solidFill>
+                  <a:schemeClr val="dk1"/>
+                </a:solidFill>
+              </a:rPr>
+              <a:t>Summit Route</a:t>
+            </a:r>
+            <a:r>
+              <a:rPr lang="en" sz="1600">
+                <a:solidFill>
+                  <a:schemeClr val="dk1"/>
+                </a:solidFill>
+              </a:rPr>
+              <a:t>: AWS Security Maturity Roadmap 2021, CTF for common AWS mistakes</a:t>
+            </a:r>
+            <a:endParaRPr sz="1600">
+              <a:solidFill>
+                <a:schemeClr val="dk1"/>
+              </a:solidFill>
+            </a:endParaRPr>
+          </a:p>
+          <a:p>
+            <a:pPr indent="-330200" lvl="1" marL="914400" rtl="0" algn="l">
+              <a:lnSpc>
+                <a:spcPct val="150000"/>
+              </a:lnSpc>
+              <a:spcBef>
+                <a:spcPts val="0"/>
+              </a:spcBef>
+              <a:spcAft>
+                <a:spcPts val="0"/>
+              </a:spcAft>
+              <a:buClr>
+                <a:schemeClr val="dk1"/>
+              </a:buClr>
+              <a:buSzPts val="1600"/>
+              <a:buChar char="○"/>
+            </a:pPr>
+            <a:r>
+              <a:rPr lang="en" sz="1600">
+                <a:solidFill>
+                  <a:schemeClr val="dk1"/>
+                </a:solidFill>
+              </a:rPr>
+              <a:t>https://summitroute.com/blog/2021/01/12/2021_aws_security_maturity_roadmap_2021/</a:t>
+            </a:r>
+            <a:endParaRPr sz="1600">
+              <a:solidFill>
+                <a:schemeClr val="dk1"/>
+              </a:solidFill>
+            </a:endParaRPr>
+          </a:p>
+          <a:p>
+            <a:pPr indent="-330200" lvl="1" marL="914400" rtl="0" algn="l">
+              <a:lnSpc>
+                <a:spcPct val="150000"/>
+              </a:lnSpc>
+              <a:spcBef>
+                <a:spcPts val="0"/>
+              </a:spcBef>
+              <a:spcAft>
+                <a:spcPts val="0"/>
+              </a:spcAft>
+              <a:buClr>
+                <a:schemeClr val="dk1"/>
+              </a:buClr>
+              <a:buSzPts val="1600"/>
+              <a:buChar char="○"/>
+            </a:pPr>
+            <a:r>
+              <a:rPr lang="en" sz="1600">
+                <a:solidFill>
+                  <a:schemeClr val="dk1"/>
+                </a:solidFill>
+              </a:rPr>
+              <a:t>http://flaws.cloud/</a:t>
+            </a:r>
+            <a:endParaRPr sz="1600">
+              <a:solidFill>
+                <a:schemeClr val="dk1"/>
+              </a:solidFill>
+            </a:endParaRPr>
+          </a:p>
+          <a:p>
+            <a:pPr indent="-330200" lvl="1" marL="914400" rtl="0" algn="l">
+              <a:lnSpc>
+                <a:spcPct val="150000"/>
+              </a:lnSpc>
+              <a:spcBef>
+                <a:spcPts val="0"/>
+              </a:spcBef>
+              <a:spcAft>
+                <a:spcPts val="0"/>
+              </a:spcAft>
+              <a:buClr>
+                <a:schemeClr val="dk1"/>
+              </a:buClr>
+              <a:buSzPts val="1600"/>
+              <a:buChar char="○"/>
+            </a:pPr>
+            <a:r>
+              <a:rPr lang="en" sz="1600">
+                <a:solidFill>
+                  <a:schemeClr val="dk1"/>
+                </a:solidFill>
+              </a:rPr>
+              <a:t>http://flaws2.cloud/</a:t>
+            </a:r>
+            <a:endParaRPr sz="1600">
+              <a:solidFill>
+                <a:schemeClr val="dk1"/>
+              </a:solidFill>
+            </a:endParaRPr>
+          </a:p>
+          <a:p>
+            <a:pPr indent="-330200" lvl="0" marL="457200" rtl="0" algn="l">
+              <a:lnSpc>
+                <a:spcPct val="150000"/>
+              </a:lnSpc>
+              <a:spcBef>
+                <a:spcPts val="0"/>
+              </a:spcBef>
+              <a:spcAft>
+                <a:spcPts val="0"/>
+              </a:spcAft>
+              <a:buClr>
+                <a:schemeClr val="dk1"/>
+              </a:buClr>
+              <a:buSzPts val="1600"/>
+              <a:buChar char="●"/>
+            </a:pPr>
+            <a:r>
+              <a:rPr b="1" lang="en" sz="1600">
+                <a:solidFill>
+                  <a:schemeClr val="dk1"/>
+                </a:solidFill>
+              </a:rPr>
+              <a:t>Fugue:</a:t>
+            </a:r>
+            <a:r>
+              <a:rPr lang="en" sz="1600">
+                <a:solidFill>
+                  <a:schemeClr val="dk1"/>
+                </a:solidFill>
+              </a:rPr>
+              <a:t> Engineer’s Primer on Cloud Security, State of Cloud Security 2021</a:t>
+            </a:r>
+            <a:endParaRPr sz="1600">
+              <a:solidFill>
+                <a:schemeClr val="dk1"/>
+              </a:solidFill>
+            </a:endParaRPr>
+          </a:p>
+          <a:p>
+            <a:pPr indent="-330200" lvl="1" marL="914400" rtl="0" algn="l">
+              <a:lnSpc>
+                <a:spcPct val="150000"/>
+              </a:lnSpc>
+              <a:spcBef>
+                <a:spcPts val="0"/>
+              </a:spcBef>
+              <a:spcAft>
+                <a:spcPts val="0"/>
+              </a:spcAft>
+              <a:buClr>
+                <a:schemeClr val="dk1"/>
+              </a:buClr>
+              <a:buSzPts val="1600"/>
+              <a:buChar char="○"/>
+            </a:pPr>
+            <a:r>
+              <a:rPr lang="en" sz="1600">
+                <a:solidFill>
+                  <a:schemeClr val="dk1"/>
+                </a:solidFill>
+              </a:rPr>
+              <a:t>https://www.fugue.co/resources-library#section-whitepapers-&amp;-reports</a:t>
+            </a:r>
+            <a:endParaRPr sz="1600">
+              <a:solidFill>
+                <a:schemeClr val="dk1"/>
+              </a:solidFill>
+            </a:endParaRPr>
+          </a:p>
+          <a:p>
+            <a:pPr indent="-330200" lvl="0" marL="457200" rtl="0" algn="l">
+              <a:lnSpc>
+                <a:spcPct val="150000"/>
+              </a:lnSpc>
+              <a:spcBef>
+                <a:spcPts val="0"/>
+              </a:spcBef>
+              <a:spcAft>
+                <a:spcPts val="0"/>
+              </a:spcAft>
+              <a:buClr>
+                <a:schemeClr val="dk1"/>
+              </a:buClr>
+              <a:buSzPts val="1600"/>
+              <a:buChar char="●"/>
+            </a:pPr>
+            <a:r>
+              <a:rPr b="1" lang="en" sz="1600">
+                <a:solidFill>
+                  <a:schemeClr val="dk1"/>
+                </a:solidFill>
+              </a:rPr>
+              <a:t>Cloud Security Alliance</a:t>
+            </a:r>
+            <a:r>
+              <a:rPr lang="en" sz="1600">
+                <a:solidFill>
+                  <a:schemeClr val="dk1"/>
+                </a:solidFill>
+              </a:rPr>
+              <a:t>: Security Guidance for Critical areas of Focus in Cloud Computing</a:t>
+            </a:r>
+            <a:endParaRPr sz="1600">
+              <a:solidFill>
+                <a:schemeClr val="dk1"/>
+              </a:solidFill>
+            </a:endParaRPr>
+          </a:p>
+          <a:p>
+            <a:pPr indent="-330200" lvl="1" marL="914400" rtl="0" algn="l">
+              <a:lnSpc>
+                <a:spcPct val="150000"/>
+              </a:lnSpc>
+              <a:spcBef>
+                <a:spcPts val="0"/>
+              </a:spcBef>
+              <a:spcAft>
+                <a:spcPts val="0"/>
+              </a:spcAft>
+              <a:buClr>
+                <a:schemeClr val="dk1"/>
+              </a:buClr>
+              <a:buSzPts val="1600"/>
+              <a:buChar char="○"/>
+            </a:pPr>
+            <a:r>
+              <a:rPr lang="en" sz="1600">
+                <a:solidFill>
+                  <a:schemeClr val="dk1"/>
+                </a:solidFill>
+              </a:rPr>
+              <a:t>https://cloudsecurityalliance.org/research/guidance</a:t>
+            </a:r>
+            <a:endParaRPr>
+              <a:solidFill>
+                <a:schemeClr val="dk1"/>
+              </a:solidFill>
+            </a:endParaRPr>
+          </a:p>
+        </p:txBody>
+      </p:sp>
+    </p:spTree>
+  </p:cSld>
+  <p:clrMapOvr>
+    <a:masterClrMapping/>
+  </p:clrMapOvr>
+</p:sld>
+</file>
+
+<file path=ppt/slides/slide38.xml><?xml version="1.0" encoding="utf-8"?>
+<p:sld xmlns:a="http://schemas.openxmlformats.org/drawingml/2006/main" xmlns:r="http://schemas.openxmlformats.org/officeDocument/2006/relationships" xmlns:mc="http://schemas.openxmlformats.org/markup-compatibility/2006" xmlns:mv="urn:schemas-microsoft-com:mac:vml" xmlns:p="http://schemas.openxmlformats.org/presentationml/2006/main" xmlns:c="http://schemas.openxmlformats.org/drawingml/2006/chart" xmlns:dgm="http://schemas.openxmlformats.org/drawingml/2006/diagram" xmlns:o="urn:schemas-microsoft-com:office:office" xmlns:v="urn:schemas-microsoft-com:vml" xmlns:pvml="urn:schemas-microsoft-com:office:powerpoint" xmlns:com="http://schemas.openxmlformats.org/drawingml/2006/compatibility" xmlns:p14="http://schemas.microsoft.com/office/powerpoint/2010/main" xmlns:p15="http://schemas.microsoft.com/office/powerpoint/2012/main" xmlns:ahyp="http://schemas.microsoft.com/office/drawing/2018/hyperlinkcolor">
+  <p:cSld>
+    <p:spTree>
+      <p:nvGrpSpPr>
+        <p:cNvPr id="304" name="Shape 304"/>
+        <p:cNvGrpSpPr/>
+        <p:nvPr/>
+      </p:nvGrpSpPr>
+      <p:grpSpPr>
+        <a:xfrm>
+          <a:off x="0" y="0"/>
+          <a:ext cx="0" cy="0"/>
+          <a:chOff x="0" y="0"/>
+          <a:chExt cx="0" cy="0"/>
+        </a:xfrm>
+      </p:grpSpPr>
+      <p:sp>
+        <p:nvSpPr>
+          <p:cNvPr id="305" name="Google Shape;305;p50"/>
           <p:cNvSpPr txBox="1"/>
           <p:nvPr>
             <p:ph type="ctrTitle"/>
@@ -17761,7 +17931,7 @@
       </p:sp>
       <p:pic>
         <p:nvPicPr>
-          <p:cNvPr id="304" name="Google Shape;304;p49"/>
+          <p:cNvPr id="306" name="Google Shape;306;p50"/>
           <p:cNvPicPr preferRelativeResize="0"/>
           <p:nvPr/>
         </p:nvPicPr>
@@ -17789,7 +17959,7 @@
       </p:pic>
       <p:sp>
         <p:nvSpPr>
-          <p:cNvPr id="305" name="Google Shape;305;p49"/>
+          <p:cNvPr id="307" name="Google Shape;307;p50"/>
           <p:cNvSpPr txBox="1"/>
           <p:nvPr/>
         </p:nvSpPr>
@@ -17856,12 +18026,12 @@
 </p:sld>
 </file>
 
-<file path=ppt/slides/slide38.xml><?xml version="1.0" encoding="utf-8"?>
+<file path=ppt/slides/slide39.xml><?xml version="1.0" encoding="utf-8"?>
 <p:sld xmlns:a="http://schemas.openxmlformats.org/drawingml/2006/main" xmlns:r="http://schemas.openxmlformats.org/officeDocument/2006/relationships" xmlns:mc="http://schemas.openxmlformats.org/markup-compatibility/2006" xmlns:mv="urn:schemas-microsoft-com:mac:vml" xmlns:p="http://schemas.openxmlformats.org/presentationml/2006/main" xmlns:c="http://schemas.openxmlformats.org/drawingml/2006/chart" xmlns:dgm="http://schemas.openxmlformats.org/drawingml/2006/diagram" xmlns:o="urn:schemas-microsoft-com:office:office" xmlns:v="urn:schemas-microsoft-com:vml" xmlns:pvml="urn:schemas-microsoft-com:office:powerpoint" xmlns:com="http://schemas.openxmlformats.org/drawingml/2006/compatibility" xmlns:p14="http://schemas.microsoft.com/office/powerpoint/2010/main" xmlns:p15="http://schemas.microsoft.com/office/powerpoint/2012/main" xmlns:ahyp="http://schemas.microsoft.com/office/drawing/2018/hyperlinkcolor">
   <p:cSld>
     <p:spTree>
       <p:nvGrpSpPr>
-        <p:cNvPr id="309" name="Shape 309"/>
+        <p:cNvPr id="311" name="Shape 311"/>
         <p:cNvGrpSpPr/>
         <p:nvPr/>
       </p:nvGrpSpPr>
@@ -17875,7 +18045,7 @@
       </p:grpSpPr>
       <p:sp>
         <p:nvSpPr>
-          <p:cNvPr id="310" name="Google Shape;310;p50"/>
+          <p:cNvPr id="312" name="Google Shape;312;p51"/>
           <p:cNvSpPr txBox="1"/>
           <p:nvPr>
             <p:ph type="ctrTitle"/>
@@ -17918,7 +18088,7 @@
       </p:sp>
       <p:sp>
         <p:nvSpPr>
-          <p:cNvPr id="311" name="Google Shape;311;p50"/>
+          <p:cNvPr id="313" name="Google Shape;313;p51"/>
           <p:cNvSpPr txBox="1"/>
           <p:nvPr/>
         </p:nvSpPr>
@@ -18168,7 +18338,7 @@
       </p:sp>
       <p:pic>
         <p:nvPicPr>
-          <p:cNvPr id="312" name="Google Shape;312;p50"/>
+          <p:cNvPr id="314" name="Google Shape;314;p51"/>
           <p:cNvPicPr preferRelativeResize="0"/>
           <p:nvPr/>
         </p:nvPicPr>
@@ -18194,74 +18364,6 @@
           </a:ln>
         </p:spPr>
       </p:pic>
-    </p:spTree>
-  </p:cSld>
-  <p:clrMapOvr>
-    <a:masterClrMapping/>
-  </p:clrMapOvr>
-</p:sld>
-</file>
-
-<file path=ppt/slides/slide39.xml><?xml version="1.0" encoding="utf-8"?>
-<p:sld xmlns:a="http://schemas.openxmlformats.org/drawingml/2006/main" xmlns:r="http://schemas.openxmlformats.org/officeDocument/2006/relationships" xmlns:mc="http://schemas.openxmlformats.org/markup-compatibility/2006" xmlns:mv="urn:schemas-microsoft-com:mac:vml" xmlns:p="http://schemas.openxmlformats.org/presentationml/2006/main" xmlns:c="http://schemas.openxmlformats.org/drawingml/2006/chart" xmlns:dgm="http://schemas.openxmlformats.org/drawingml/2006/diagram" xmlns:o="urn:schemas-microsoft-com:office:office" xmlns:v="urn:schemas-microsoft-com:vml" xmlns:pvml="urn:schemas-microsoft-com:office:powerpoint" xmlns:com="http://schemas.openxmlformats.org/drawingml/2006/compatibility" xmlns:p14="http://schemas.microsoft.com/office/powerpoint/2010/main" xmlns:p15="http://schemas.microsoft.com/office/powerpoint/2012/main" xmlns:ahyp="http://schemas.microsoft.com/office/drawing/2018/hyperlinkcolor">
-  <p:cSld>
-    <p:spTree>
-      <p:nvGrpSpPr>
-        <p:cNvPr id="316" name="Shape 316"/>
-        <p:cNvGrpSpPr/>
-        <p:nvPr/>
-      </p:nvGrpSpPr>
-      <p:grpSpPr>
-        <a:xfrm>
-          <a:off x="0" y="0"/>
-          <a:ext cx="0" cy="0"/>
-          <a:chOff x="0" y="0"/>
-          <a:chExt cx="0" cy="0"/>
-        </a:xfrm>
-      </p:grpSpPr>
-      <p:sp>
-        <p:nvSpPr>
-          <p:cNvPr id="317" name="Google Shape;317;p51"/>
-          <p:cNvSpPr txBox="1"/>
-          <p:nvPr>
-            <p:ph type="ctrTitle"/>
-          </p:nvPr>
-        </p:nvSpPr>
-        <p:spPr>
-          <a:xfrm>
-            <a:off x="671258" y="990800"/>
-            <a:ext cx="7801500" cy="1730100"/>
-          </a:xfrm>
-          <a:prstGeom prst="rect">
-            <a:avLst/>
-          </a:prstGeom>
-        </p:spPr>
-        <p:txBody>
-          <a:bodyPr anchorCtr="0" anchor="b" bIns="91425" lIns="91425" spcFirstLastPara="1" rIns="91425" wrap="square" tIns="91425">
-            <a:normAutofit/>
-          </a:bodyPr>
-          <a:lstStyle/>
-          <a:p>
-            <a:pPr indent="0" lvl="0" marL="0" rtl="0" algn="ctr">
-              <a:lnSpc>
-                <a:spcPct val="150000"/>
-              </a:lnSpc>
-              <a:spcBef>
-                <a:spcPts val="0"/>
-              </a:spcBef>
-              <a:spcAft>
-                <a:spcPts val="1200"/>
-              </a:spcAft>
-              <a:buNone/>
-            </a:pPr>
-            <a:r>
-              <a:rPr b="1" lang="en" sz="4900"/>
-              <a:t>Questions?</a:t>
-            </a:r>
-            <a:endParaRPr b="1" sz="4900"/>
-          </a:p>
-        </p:txBody>
-      </p:sp>
     </p:spTree>
   </p:cSld>
   <p:clrMapOvr>
@@ -18324,6 +18426,74 @@
               <a:t>What is the Cloud?</a:t>
             </a:r>
             <a:endParaRPr/>
+          </a:p>
+        </p:txBody>
+      </p:sp>
+    </p:spTree>
+  </p:cSld>
+  <p:clrMapOvr>
+    <a:masterClrMapping/>
+  </p:clrMapOvr>
+</p:sld>
+</file>
+
+<file path=ppt/slides/slide40.xml><?xml version="1.0" encoding="utf-8"?>
+<p:sld xmlns:a="http://schemas.openxmlformats.org/drawingml/2006/main" xmlns:r="http://schemas.openxmlformats.org/officeDocument/2006/relationships" xmlns:mc="http://schemas.openxmlformats.org/markup-compatibility/2006" xmlns:mv="urn:schemas-microsoft-com:mac:vml" xmlns:p="http://schemas.openxmlformats.org/presentationml/2006/main" xmlns:c="http://schemas.openxmlformats.org/drawingml/2006/chart" xmlns:dgm="http://schemas.openxmlformats.org/drawingml/2006/diagram" xmlns:o="urn:schemas-microsoft-com:office:office" xmlns:v="urn:schemas-microsoft-com:vml" xmlns:pvml="urn:schemas-microsoft-com:office:powerpoint" xmlns:com="http://schemas.openxmlformats.org/drawingml/2006/compatibility" xmlns:p14="http://schemas.microsoft.com/office/powerpoint/2010/main" xmlns:p15="http://schemas.microsoft.com/office/powerpoint/2012/main" xmlns:ahyp="http://schemas.microsoft.com/office/drawing/2018/hyperlinkcolor">
+  <p:cSld>
+    <p:spTree>
+      <p:nvGrpSpPr>
+        <p:cNvPr id="318" name="Shape 318"/>
+        <p:cNvGrpSpPr/>
+        <p:nvPr/>
+      </p:nvGrpSpPr>
+      <p:grpSpPr>
+        <a:xfrm>
+          <a:off x="0" y="0"/>
+          <a:ext cx="0" cy="0"/>
+          <a:chOff x="0" y="0"/>
+          <a:chExt cx="0" cy="0"/>
+        </a:xfrm>
+      </p:grpSpPr>
+      <p:sp>
+        <p:nvSpPr>
+          <p:cNvPr id="319" name="Google Shape;319;p52"/>
+          <p:cNvSpPr txBox="1"/>
+          <p:nvPr>
+            <p:ph type="ctrTitle"/>
+          </p:nvPr>
+        </p:nvSpPr>
+        <p:spPr>
+          <a:xfrm>
+            <a:off x="671258" y="990800"/>
+            <a:ext cx="7801500" cy="1730100"/>
+          </a:xfrm>
+          <a:prstGeom prst="rect">
+            <a:avLst/>
+          </a:prstGeom>
+        </p:spPr>
+        <p:txBody>
+          <a:bodyPr anchorCtr="0" anchor="b" bIns="91425" lIns="91425" spcFirstLastPara="1" rIns="91425" wrap="square" tIns="91425">
+            <a:normAutofit/>
+          </a:bodyPr>
+          <a:lstStyle/>
+          <a:p>
+            <a:pPr indent="0" lvl="0" marL="0" rtl="0" algn="ctr">
+              <a:lnSpc>
+                <a:spcPct val="150000"/>
+              </a:lnSpc>
+              <a:spcBef>
+                <a:spcPts val="0"/>
+              </a:spcBef>
+              <a:spcAft>
+                <a:spcPts val="1200"/>
+              </a:spcAft>
+              <a:buNone/>
+            </a:pPr>
+            <a:r>
+              <a:rPr b="1" lang="en" sz="4900"/>
+              <a:t>Questions?</a:t>
+            </a:r>
+            <a:endParaRPr b="1" sz="4900"/>
           </a:p>
         </p:txBody>
       </p:sp>
@@ -19341,6 +19511,285 @@
 </file>
 
 <file path=ppt/theme/theme1.xml><?xml version="1.0" encoding="utf-8"?>
+<a:theme xmlns:a="http://schemas.openxmlformats.org/drawingml/2006/main" xmlns:r="http://schemas.openxmlformats.org/officeDocument/2006/relationships" name="Slate">
+  <a:themeElements>
+    <a:clrScheme name="Slate">
+      <a:dk1>
+        <a:srgbClr val="FFFFFF"/>
+      </a:dk1>
+      <a:lt1>
+        <a:srgbClr val="37474F"/>
+      </a:lt1>
+      <a:dk2>
+        <a:srgbClr val="9E9E9E"/>
+      </a:dk2>
+      <a:lt2>
+        <a:srgbClr val="E0E0E0"/>
+      </a:lt2>
+      <a:accent1>
+        <a:srgbClr val="616161"/>
+      </a:accent1>
+      <a:accent2>
+        <a:srgbClr val="78909C"/>
+      </a:accent2>
+      <a:accent3>
+        <a:srgbClr val="CACACA"/>
+      </a:accent3>
+      <a:accent4>
+        <a:srgbClr val="64FFDA"/>
+      </a:accent4>
+      <a:accent5>
+        <a:srgbClr val="FFD966"/>
+      </a:accent5>
+      <a:accent6>
+        <a:srgbClr val="F5F5F5"/>
+      </a:accent6>
+      <a:hlink>
+        <a:srgbClr val="FFD966"/>
+      </a:hlink>
+      <a:folHlink>
+        <a:srgbClr val="FFD966"/>
+      </a:folHlink>
+    </a:clrScheme>
+    <a:fontScheme name="Office">
+      <a:majorFont>
+        <a:latin typeface="Arial"/>
+        <a:ea typeface=""/>
+        <a:cs typeface=""/>
+        <a:font script="Jpan" typeface="ＭＳ Ｐゴシック"/>
+        <a:font script="Hang" typeface="맑은 고딕"/>
+        <a:font script="Hans" typeface="宋体"/>
+        <a:font script="Hant" typeface="新細明體"/>
+        <a:font script="Arab" typeface="Times New Roman"/>
+        <a:font script="Hebr" typeface="Times New Roman"/>
+        <a:font script="Thai" typeface="Angsana New"/>
+        <a:font script="Ethi" typeface="Nyala"/>
+        <a:font script="Beng" typeface="Vrinda"/>
+        <a:font script="Gujr" typeface="Shruti"/>
+        <a:font script="Khmr" typeface="MoolBoran"/>
+        <a:font script="Knda" typeface="Tunga"/>
+        <a:font script="Guru" typeface="Raavi"/>
+        <a:font script="Cans" typeface="Euphemia"/>
+        <a:font script="Cher" typeface="Plantagenet Cherokee"/>
+        <a:font script="Yiii" typeface="Microsoft Yi Baiti"/>
+        <a:font script="Tibt" typeface="Microsoft Himalaya"/>
+        <a:font script="Thaa" typeface="MV Boli"/>
+        <a:font script="Deva" typeface="Mangal"/>
+        <a:font script="Telu" typeface="Gautami"/>
+        <a:font script="Taml" typeface="Latha"/>
+        <a:font script="Syrc" typeface="Estrangelo Edessa"/>
+        <a:font script="Orya" typeface="Kalinga"/>
+        <a:font script="Mlym" typeface="Kartika"/>
+        <a:font script="Laoo" typeface="DokChampa"/>
+        <a:font script="Sinh" typeface="Iskoola Pota"/>
+        <a:font script="Mong" typeface="Mongolian Baiti"/>
+        <a:font script="Viet" typeface="Times New Roman"/>
+        <a:font script="Uigh" typeface="Microsoft Uighur"/>
+        <a:font script="Geor" typeface="Sylfaen"/>
+      </a:majorFont>
+      <a:minorFont>
+        <a:latin typeface="Arial"/>
+        <a:ea typeface=""/>
+        <a:cs typeface=""/>
+        <a:font script="Jpan" typeface="ＭＳ Ｐゴシック"/>
+        <a:font script="Hang" typeface="맑은 고딕"/>
+        <a:font script="Hans" typeface="宋体"/>
+        <a:font script="Hant" typeface="新細明體"/>
+        <a:font script="Arab" typeface="Arial"/>
+        <a:font script="Hebr" typeface="Arial"/>
+        <a:font script="Thai" typeface="Cordia New"/>
+        <a:font script="Ethi" typeface="Nyala"/>
+        <a:font script="Beng" typeface="Vrinda"/>
+        <a:font script="Gujr" typeface="Shruti"/>
+        <a:font script="Khmr" typeface="DaunPenh"/>
+        <a:font script="Knda" typeface="Tunga"/>
+        <a:font script="Guru" typeface="Raavi"/>
+        <a:font script="Cans" typeface="Euphemia"/>
+        <a:font script="Cher" typeface="Plantagenet Cherokee"/>
+        <a:font script="Yiii" typeface="Microsoft Yi Baiti"/>
+        <a:font script="Tibt" typeface="Microsoft Himalaya"/>
+        <a:font script="Thaa" typeface="MV Boli"/>
+        <a:font script="Deva" typeface="Mangal"/>
+        <a:font script="Telu" typeface="Gautami"/>
+        <a:font script="Taml" typeface="Latha"/>
+        <a:font script="Syrc" typeface="Estrangelo Edessa"/>
+        <a:font script="Orya" typeface="Kalinga"/>
+        <a:font script="Mlym" typeface="Kartika"/>
+        <a:font script="Laoo" typeface="DokChampa"/>
+        <a:font script="Sinh" typeface="Iskoola Pota"/>
+        <a:font script="Mong" typeface="Mongolian Baiti"/>
+        <a:font script="Viet" typeface="Arial"/>
+        <a:font script="Uigh" typeface="Microsoft Uighur"/>
+        <a:font script="Geor" typeface="Sylfaen"/>
+      </a:minorFont>
+    </a:fontScheme>
+    <a:fmtScheme name="Office">
+      <a:fillStyleLst>
+        <a:solidFill>
+          <a:schemeClr val="phClr"/>
+        </a:solidFill>
+        <a:gradFill rotWithShape="1">
+          <a:gsLst>
+            <a:gs pos="0">
+              <a:schemeClr val="phClr">
+                <a:tint val="50000"/>
+                <a:satMod val="300000"/>
+              </a:schemeClr>
+            </a:gs>
+            <a:gs pos="35000">
+              <a:schemeClr val="phClr">
+                <a:tint val="37000"/>
+                <a:satMod val="300000"/>
+              </a:schemeClr>
+            </a:gs>
+            <a:gs pos="100000">
+              <a:schemeClr val="phClr">
+                <a:tint val="15000"/>
+                <a:satMod val="350000"/>
+              </a:schemeClr>
+            </a:gs>
+          </a:gsLst>
+          <a:lin ang="16200000" scaled="1"/>
+        </a:gradFill>
+        <a:gradFill rotWithShape="1">
+          <a:gsLst>
+            <a:gs pos="0">
+              <a:schemeClr val="phClr">
+                <a:tint val="100000"/>
+                <a:shade val="100000"/>
+                <a:satMod val="130000"/>
+              </a:schemeClr>
+            </a:gs>
+            <a:gs pos="100000">
+              <a:schemeClr val="phClr">
+                <a:tint val="50000"/>
+                <a:shade val="100000"/>
+                <a:satMod val="350000"/>
+              </a:schemeClr>
+            </a:gs>
+          </a:gsLst>
+          <a:lin ang="16200000" scaled="0"/>
+        </a:gradFill>
+      </a:fillStyleLst>
+      <a:lnStyleLst>
+        <a:ln w="9525" cap="flat" cmpd="sng" algn="ctr">
+          <a:solidFill>
+            <a:schemeClr val="phClr">
+              <a:shade val="95000"/>
+              <a:satMod val="105000"/>
+            </a:schemeClr>
+          </a:solidFill>
+          <a:prstDash val="solid"/>
+        </a:ln>
+        <a:ln w="25400" cap="flat" cmpd="sng" algn="ctr">
+          <a:solidFill>
+            <a:schemeClr val="phClr"/>
+          </a:solidFill>
+          <a:prstDash val="solid"/>
+        </a:ln>
+        <a:ln w="38100" cap="flat" cmpd="sng" algn="ctr">
+          <a:solidFill>
+            <a:schemeClr val="phClr"/>
+          </a:solidFill>
+          <a:prstDash val="solid"/>
+        </a:ln>
+      </a:lnStyleLst>
+      <a:effectStyleLst>
+        <a:effectStyle>
+          <a:effectLst>
+            <a:outerShdw blurRad="40000" dist="20000" dir="5400000" rotWithShape="0">
+              <a:srgbClr val="000000">
+                <a:alpha val="38000"/>
+              </a:srgbClr>
+            </a:outerShdw>
+          </a:effectLst>
+        </a:effectStyle>
+        <a:effectStyle>
+          <a:effectLst>
+            <a:outerShdw blurRad="40000" dist="23000" dir="5400000" rotWithShape="0">
+              <a:srgbClr val="000000">
+                <a:alpha val="35000"/>
+              </a:srgbClr>
+            </a:outerShdw>
+          </a:effectLst>
+        </a:effectStyle>
+        <a:effectStyle>
+          <a:effectLst>
+            <a:outerShdw blurRad="40000" dist="23000" dir="5400000" rotWithShape="0">
+              <a:srgbClr val="000000">
+                <a:alpha val="35000"/>
+              </a:srgbClr>
+            </a:outerShdw>
+          </a:effectLst>
+          <a:scene3d>
+            <a:camera prst="orthographicFront">
+              <a:rot lat="0" lon="0" rev="0"/>
+            </a:camera>
+            <a:lightRig rig="threePt" dir="t">
+              <a:rot lat="0" lon="0" rev="1200000"/>
+            </a:lightRig>
+          </a:scene3d>
+          <a:sp3d>
+            <a:bevelT w="63500" h="25400"/>
+          </a:sp3d>
+        </a:effectStyle>
+      </a:effectStyleLst>
+      <a:bgFillStyleLst>
+        <a:solidFill>
+          <a:schemeClr val="phClr"/>
+        </a:solidFill>
+        <a:gradFill rotWithShape="1">
+          <a:gsLst>
+            <a:gs pos="0">
+              <a:schemeClr val="phClr">
+                <a:tint val="40000"/>
+                <a:satMod val="350000"/>
+              </a:schemeClr>
+            </a:gs>
+            <a:gs pos="40000">
+              <a:schemeClr val="phClr">
+                <a:tint val="45000"/>
+                <a:shade val="99000"/>
+                <a:satMod val="350000"/>
+              </a:schemeClr>
+            </a:gs>
+            <a:gs pos="100000">
+              <a:schemeClr val="phClr">
+                <a:shade val="20000"/>
+                <a:satMod val="255000"/>
+              </a:schemeClr>
+            </a:gs>
+          </a:gsLst>
+          <a:path path="circle">
+            <a:fillToRect l="50000" t="-80000" r="50000" b="180000"/>
+          </a:path>
+        </a:gradFill>
+        <a:gradFill rotWithShape="1">
+          <a:gsLst>
+            <a:gs pos="0">
+              <a:schemeClr val="phClr">
+                <a:tint val="80000"/>
+                <a:satMod val="300000"/>
+              </a:schemeClr>
+            </a:gs>
+            <a:gs pos="100000">
+              <a:schemeClr val="phClr">
+                <a:shade val="30000"/>
+                <a:satMod val="200000"/>
+              </a:schemeClr>
+            </a:gs>
+          </a:gsLst>
+          <a:path path="circle">
+            <a:fillToRect l="50000" t="50000" r="50000" b="50000"/>
+          </a:path>
+        </a:gradFill>
+      </a:bgFillStyleLst>
+    </a:fmtScheme>
+  </a:themeElements>
+</a:theme>
+</file>
+
+<file path=ppt/theme/theme2.xml><?xml version="1.0" encoding="utf-8"?>
 <a:theme xmlns:a="http://schemas.openxmlformats.org/drawingml/2006/main" xmlns:r="http://schemas.openxmlformats.org/officeDocument/2006/relationships">
   <a:themeElements>
     <a:clrScheme name="Default">
@@ -19617,283 +20066,4 @@
     </a:fmtScheme>
   </a:themeElements>
 </a:theme>
-</file>
-
-<file path=ppt/theme/theme2.xml><?xml version="1.0" encoding="utf-8"?>
-<a:theme xmlns:a="http://schemas.openxmlformats.org/drawingml/2006/main" xmlns:r="http://schemas.openxmlformats.org/officeDocument/2006/relationships" name="Slate">
-  <a:themeElements>
-    <a:clrScheme name="Slate">
-      <a:dk1>
-        <a:srgbClr val="FFFFFF"/>
-      </a:dk1>
-      <a:lt1>
-        <a:srgbClr val="37474F"/>
-      </a:lt1>
-      <a:dk2>
-        <a:srgbClr val="9E9E9E"/>
-      </a:dk2>
-      <a:lt2>
-        <a:srgbClr val="E0E0E0"/>
-      </a:lt2>
-      <a:accent1>
-        <a:srgbClr val="616161"/>
-      </a:accent1>
-      <a:accent2>
-        <a:srgbClr val="78909C"/>
-      </a:accent2>
-      <a:accent3>
-        <a:srgbClr val="CACACA"/>
-      </a:accent3>
-      <a:accent4>
-        <a:srgbClr val="64FFDA"/>
-      </a:accent4>
-      <a:accent5>
-        <a:srgbClr val="FFD966"/>
-      </a:accent5>
-      <a:accent6>
-        <a:srgbClr val="F5F5F5"/>
-      </a:accent6>
-      <a:hlink>
-        <a:srgbClr val="FFD966"/>
-      </a:hlink>
-      <a:folHlink>
-        <a:srgbClr val="FFD966"/>
-      </a:folHlink>
-    </a:clrScheme>
-    <a:fontScheme name="Office">
-      <a:majorFont>
-        <a:latin typeface="Arial"/>
-        <a:ea typeface=""/>
-        <a:cs typeface=""/>
-        <a:font script="Jpan" typeface="ＭＳ Ｐゴシック"/>
-        <a:font script="Hang" typeface="맑은 고딕"/>
-        <a:font script="Hans" typeface="宋体"/>
-        <a:font script="Hant" typeface="新細明體"/>
-        <a:font script="Arab" typeface="Times New Roman"/>
-        <a:font script="Hebr" typeface="Times New Roman"/>
-        <a:font script="Thai" typeface="Angsana New"/>
-        <a:font script="Ethi" typeface="Nyala"/>
-        <a:font script="Beng" typeface="Vrinda"/>
-        <a:font script="Gujr" typeface="Shruti"/>
-        <a:font script="Khmr" typeface="MoolBoran"/>
-        <a:font script="Knda" typeface="Tunga"/>
-        <a:font script="Guru" typeface="Raavi"/>
-        <a:font script="Cans" typeface="Euphemia"/>
-        <a:font script="Cher" typeface="Plantagenet Cherokee"/>
-        <a:font script="Yiii" typeface="Microsoft Yi Baiti"/>
-        <a:font script="Tibt" typeface="Microsoft Himalaya"/>
-        <a:font script="Thaa" typeface="MV Boli"/>
-        <a:font script="Deva" typeface="Mangal"/>
-        <a:font script="Telu" typeface="Gautami"/>
-        <a:font script="Taml" typeface="Latha"/>
-        <a:font script="Syrc" typeface="Estrangelo Edessa"/>
-        <a:font script="Orya" typeface="Kalinga"/>
-        <a:font script="Mlym" typeface="Kartika"/>
-        <a:font script="Laoo" typeface="DokChampa"/>
-        <a:font script="Sinh" typeface="Iskoola Pota"/>
-        <a:font script="Mong" typeface="Mongolian Baiti"/>
-        <a:font script="Viet" typeface="Times New Roman"/>
-        <a:font script="Uigh" typeface="Microsoft Uighur"/>
-        <a:font script="Geor" typeface="Sylfaen"/>
-      </a:majorFont>
-      <a:minorFont>
-        <a:latin typeface="Arial"/>
-        <a:ea typeface=""/>
-        <a:cs typeface=""/>
-        <a:font script="Jpan" typeface="ＭＳ Ｐゴシック"/>
-        <a:font script="Hang" typeface="맑은 고딕"/>
-        <a:font script="Hans" typeface="宋体"/>
-        <a:font script="Hant" typeface="新細明體"/>
-        <a:font script="Arab" typeface="Arial"/>
-        <a:font script="Hebr" typeface="Arial"/>
-        <a:font script="Thai" typeface="Cordia New"/>
-        <a:font script="Ethi" typeface="Nyala"/>
-        <a:font script="Beng" typeface="Vrinda"/>
-        <a:font script="Gujr" typeface="Shruti"/>
-        <a:font script="Khmr" typeface="DaunPenh"/>
-        <a:font script="Knda" typeface="Tunga"/>
-        <a:font script="Guru" typeface="Raavi"/>
-        <a:font script="Cans" typeface="Euphemia"/>
-        <a:font script="Cher" typeface="Plantagenet Cherokee"/>
-        <a:font script="Yiii" typeface="Microsoft Yi Baiti"/>
-        <a:font script="Tibt" typeface="Microsoft Himalaya"/>
-        <a:font script="Thaa" typeface="MV Boli"/>
-        <a:font script="Deva" typeface="Mangal"/>
-        <a:font script="Telu" typeface="Gautami"/>
-        <a:font script="Taml" typeface="Latha"/>
-        <a:font script="Syrc" typeface="Estrangelo Edessa"/>
-        <a:font script="Orya" typeface="Kalinga"/>
-        <a:font script="Mlym" typeface="Kartika"/>
-        <a:font script="Laoo" typeface="DokChampa"/>
-        <a:font script="Sinh" typeface="Iskoola Pota"/>
-        <a:font script="Mong" typeface="Mongolian Baiti"/>
-        <a:font script="Viet" typeface="Arial"/>
-        <a:font script="Uigh" typeface="Microsoft Uighur"/>
-        <a:font script="Geor" typeface="Sylfaen"/>
-      </a:minorFont>
-    </a:fontScheme>
-    <a:fmtScheme name="Office">
-      <a:fillStyleLst>
-        <a:solidFill>
-          <a:schemeClr val="phClr"/>
-        </a:solidFill>
-        <a:gradFill rotWithShape="1">
-          <a:gsLst>
-            <a:gs pos="0">
-              <a:schemeClr val="phClr">
-                <a:tint val="50000"/>
-                <a:satMod val="300000"/>
-              </a:schemeClr>
-            </a:gs>
-            <a:gs pos="35000">
-              <a:schemeClr val="phClr">
-                <a:tint val="37000"/>
-                <a:satMod val="300000"/>
-              </a:schemeClr>
-            </a:gs>
-            <a:gs pos="100000">
-              <a:schemeClr val="phClr">
-                <a:tint val="15000"/>
-                <a:satMod val="350000"/>
-              </a:schemeClr>
-            </a:gs>
-          </a:gsLst>
-          <a:lin ang="16200000" scaled="1"/>
-        </a:gradFill>
-        <a:gradFill rotWithShape="1">
-          <a:gsLst>
-            <a:gs pos="0">
-              <a:schemeClr val="phClr">
-                <a:tint val="100000"/>
-                <a:shade val="100000"/>
-                <a:satMod val="130000"/>
-              </a:schemeClr>
-            </a:gs>
-            <a:gs pos="100000">
-              <a:schemeClr val="phClr">
-                <a:tint val="50000"/>
-                <a:shade val="100000"/>
-                <a:satMod val="350000"/>
-              </a:schemeClr>
-            </a:gs>
-          </a:gsLst>
-          <a:lin ang="16200000" scaled="0"/>
-        </a:gradFill>
-      </a:fillStyleLst>
-      <a:lnStyleLst>
-        <a:ln w="9525" cap="flat" cmpd="sng" algn="ctr">
-          <a:solidFill>
-            <a:schemeClr val="phClr">
-              <a:shade val="95000"/>
-              <a:satMod val="105000"/>
-            </a:schemeClr>
-          </a:solidFill>
-          <a:prstDash val="solid"/>
-        </a:ln>
-        <a:ln w="25400" cap="flat" cmpd="sng" algn="ctr">
-          <a:solidFill>
-            <a:schemeClr val="phClr"/>
-          </a:solidFill>
-          <a:prstDash val="solid"/>
-        </a:ln>
-        <a:ln w="38100" cap="flat" cmpd="sng" algn="ctr">
-          <a:solidFill>
-            <a:schemeClr val="phClr"/>
-          </a:solidFill>
-          <a:prstDash val="solid"/>
-        </a:ln>
-      </a:lnStyleLst>
-      <a:effectStyleLst>
-        <a:effectStyle>
-          <a:effectLst>
-            <a:outerShdw blurRad="40000" dist="20000" dir="5400000" rotWithShape="0">
-              <a:srgbClr val="000000">
-                <a:alpha val="38000"/>
-              </a:srgbClr>
-            </a:outerShdw>
-          </a:effectLst>
-        </a:effectStyle>
-        <a:effectStyle>
-          <a:effectLst>
-            <a:outerShdw blurRad="40000" dist="23000" dir="5400000" rotWithShape="0">
-              <a:srgbClr val="000000">
-                <a:alpha val="35000"/>
-              </a:srgbClr>
-            </a:outerShdw>
-          </a:effectLst>
-        </a:effectStyle>
-        <a:effectStyle>
-          <a:effectLst>
-            <a:outerShdw blurRad="40000" dist="23000" dir="5400000" rotWithShape="0">
-              <a:srgbClr val="000000">
-                <a:alpha val="35000"/>
-              </a:srgbClr>
-            </a:outerShdw>
-          </a:effectLst>
-          <a:scene3d>
-            <a:camera prst="orthographicFront">
-              <a:rot lat="0" lon="0" rev="0"/>
-            </a:camera>
-            <a:lightRig rig="threePt" dir="t">
-              <a:rot lat="0" lon="0" rev="1200000"/>
-            </a:lightRig>
-          </a:scene3d>
-          <a:sp3d>
-            <a:bevelT w="63500" h="25400"/>
-          </a:sp3d>
-        </a:effectStyle>
-      </a:effectStyleLst>
-      <a:bgFillStyleLst>
-        <a:solidFill>
-          <a:schemeClr val="phClr"/>
-        </a:solidFill>
-        <a:gradFill rotWithShape="1">
-          <a:gsLst>
-            <a:gs pos="0">
-              <a:schemeClr val="phClr">
-                <a:tint val="40000"/>
-                <a:satMod val="350000"/>
-              </a:schemeClr>
-            </a:gs>
-            <a:gs pos="40000">
-              <a:schemeClr val="phClr">
-                <a:tint val="45000"/>
-                <a:shade val="99000"/>
-                <a:satMod val="350000"/>
-              </a:schemeClr>
-            </a:gs>
-            <a:gs pos="100000">
-              <a:schemeClr val="phClr">
-                <a:shade val="20000"/>
-                <a:satMod val="255000"/>
-              </a:schemeClr>
-            </a:gs>
-          </a:gsLst>
-          <a:path path="circle">
-            <a:fillToRect l="50000" t="-80000" r="50000" b="180000"/>
-          </a:path>
-        </a:gradFill>
-        <a:gradFill rotWithShape="1">
-          <a:gsLst>
-            <a:gs pos="0">
-              <a:schemeClr val="phClr">
-                <a:tint val="80000"/>
-                <a:satMod val="300000"/>
-              </a:schemeClr>
-            </a:gs>
-            <a:gs pos="100000">
-              <a:schemeClr val="phClr">
-                <a:shade val="30000"/>
-                <a:satMod val="200000"/>
-              </a:schemeClr>
-            </a:gs>
-          </a:gsLst>
-          <a:path path="circle">
-            <a:fillToRect l="50000" t="50000" r="50000" b="50000"/>
-          </a:path>
-        </a:gradFill>
-      </a:bgFillStyleLst>
-    </a:fmtScheme>
-  </a:themeElements>
-</a:theme>
 </file>